--- a/첫 화면.pptx
+++ b/첫 화면.pptx
@@ -5,11 +5,16 @@
     <p:sldMasterId id="2147483660" r:id="rId1"/>
   </p:sldMasterIdLst>
   <p:notesMasterIdLst>
-    <p:notesMasterId r:id="rId4"/>
+    <p:notesMasterId r:id="rId9"/>
   </p:notesMasterIdLst>
   <p:sldIdLst>
     <p:sldId id="256" r:id="rId2"/>
     <p:sldId id="257" r:id="rId3"/>
+    <p:sldId id="258" r:id="rId4"/>
+    <p:sldId id="259" r:id="rId5"/>
+    <p:sldId id="260" r:id="rId6"/>
+    <p:sldId id="261" r:id="rId7"/>
+    <p:sldId id="262" r:id="rId8"/>
   </p:sldIdLst>
   <p:sldSz cx="9144000" cy="6858000" type="screen4x3"/>
   <p:notesSz cx="6858000" cy="9144000"/>
@@ -198,7 +203,7 @@
           <a:p>
             <a:fld id="{9BC731DD-B2BB-4207-9C5F-4F8D7A8D7119}" type="datetimeFigureOut">
               <a:rPr lang="ko-KR" altLang="en-US" smtClean="0"/>
-              <a:t>2017-03-16</a:t>
+              <a:t>2017-03-22</a:t>
             </a:fld>
             <a:endParaRPr lang="ko-KR" altLang="en-US"/>
           </a:p>
@@ -550,6 +555,90 @@
 </p:notes>
 </file>
 
+<file path=ppt/notesSlides/notesSlide2.xml><?xml version="1.0" encoding="utf-8"?>
+<p:notes xmlns:a="http://schemas.openxmlformats.org/drawingml/2006/main" xmlns:r="http://schemas.openxmlformats.org/officeDocument/2006/relationships" xmlns:p="http://schemas.openxmlformats.org/presentationml/2006/main">
+  <p:cSld>
+    <p:spTree>
+      <p:nvGrpSpPr>
+        <p:cNvPr id="1" name=""/>
+        <p:cNvGrpSpPr/>
+        <p:nvPr/>
+      </p:nvGrpSpPr>
+      <p:grpSpPr>
+        <a:xfrm>
+          <a:off x="0" y="0"/>
+          <a:ext cx="0" cy="0"/>
+          <a:chOff x="0" y="0"/>
+          <a:chExt cx="0" cy="0"/>
+        </a:xfrm>
+      </p:grpSpPr>
+      <p:sp>
+        <p:nvSpPr>
+          <p:cNvPr id="2" name="슬라이드 이미지 개체 틀 1"/>
+          <p:cNvSpPr>
+            <a:spLocks noGrp="1" noRot="1" noChangeAspect="1"/>
+          </p:cNvSpPr>
+          <p:nvPr>
+            <p:ph type="sldImg"/>
+          </p:nvPr>
+        </p:nvSpPr>
+        <p:spPr/>
+      </p:sp>
+      <p:sp>
+        <p:nvSpPr>
+          <p:cNvPr id="3" name="슬라이드 노트 개체 틀 2"/>
+          <p:cNvSpPr>
+            <a:spLocks noGrp="1"/>
+          </p:cNvSpPr>
+          <p:nvPr>
+            <p:ph type="body" idx="1"/>
+          </p:nvPr>
+        </p:nvSpPr>
+        <p:spPr/>
+        <p:txBody>
+          <a:bodyPr/>
+          <a:lstStyle/>
+          <a:p>
+            <a:endParaRPr lang="ko-KR" altLang="en-US" dirty="0"/>
+          </a:p>
+        </p:txBody>
+      </p:sp>
+      <p:sp>
+        <p:nvSpPr>
+          <p:cNvPr id="4" name="슬라이드 번호 개체 틀 3"/>
+          <p:cNvSpPr>
+            <a:spLocks noGrp="1"/>
+          </p:cNvSpPr>
+          <p:nvPr>
+            <p:ph type="sldNum" sz="quarter" idx="10"/>
+          </p:nvPr>
+        </p:nvSpPr>
+        <p:spPr/>
+        <p:txBody>
+          <a:bodyPr/>
+          <a:lstStyle/>
+          <a:p>
+            <a:fld id="{4D39D7B5-102E-47D7-909F-146EBA64B6A7}" type="slidenum">
+              <a:rPr lang="ko-KR" altLang="en-US" smtClean="0"/>
+              <a:t>5</a:t>
+            </a:fld>
+            <a:endParaRPr lang="ko-KR" altLang="en-US"/>
+          </a:p>
+        </p:txBody>
+      </p:sp>
+    </p:spTree>
+    <p:extLst>
+      <p:ext uri="{BB962C8B-B14F-4D97-AF65-F5344CB8AC3E}">
+        <p14:creationId xmlns:p14="http://schemas.microsoft.com/office/powerpoint/2010/main" val="3335814973"/>
+      </p:ext>
+    </p:extLst>
+  </p:cSld>
+  <p:clrMapOvr>
+    <a:masterClrMapping/>
+  </p:clrMapOvr>
+</p:notes>
+</file>
+
 <file path=ppt/slideLayouts/slideLayout1.xml><?xml version="1.0" encoding="utf-8"?>
 <p:sldLayout xmlns:a="http://schemas.openxmlformats.org/drawingml/2006/main" xmlns:r="http://schemas.openxmlformats.org/officeDocument/2006/relationships" xmlns:p="http://schemas.openxmlformats.org/presentationml/2006/main" type="title" preserve="1">
   <p:cSld name="제목 슬라이드">
@@ -681,7 +770,7 @@
           <a:p>
             <a:fld id="{8AF413E6-48B4-4129-BAB6-DFE4F46389B2}" type="datetimeFigureOut">
               <a:rPr lang="ko-KR" altLang="en-US" smtClean="0"/>
-              <a:t>2017-03-16</a:t>
+              <a:t>2017-03-22</a:t>
             </a:fld>
             <a:endParaRPr lang="ko-KR" altLang="en-US"/>
           </a:p>
@@ -851,7 +940,7 @@
           <a:p>
             <a:fld id="{8AF413E6-48B4-4129-BAB6-DFE4F46389B2}" type="datetimeFigureOut">
               <a:rPr lang="ko-KR" altLang="en-US" smtClean="0"/>
-              <a:t>2017-03-16</a:t>
+              <a:t>2017-03-22</a:t>
             </a:fld>
             <a:endParaRPr lang="ko-KR" altLang="en-US"/>
           </a:p>
@@ -1031,7 +1120,7 @@
           <a:p>
             <a:fld id="{8AF413E6-48B4-4129-BAB6-DFE4F46389B2}" type="datetimeFigureOut">
               <a:rPr lang="ko-KR" altLang="en-US" smtClean="0"/>
-              <a:t>2017-03-16</a:t>
+              <a:t>2017-03-22</a:t>
             </a:fld>
             <a:endParaRPr lang="ko-KR" altLang="en-US"/>
           </a:p>
@@ -1201,7 +1290,7 @@
           <a:p>
             <a:fld id="{8AF413E6-48B4-4129-BAB6-DFE4F46389B2}" type="datetimeFigureOut">
               <a:rPr lang="ko-KR" altLang="en-US" smtClean="0"/>
-              <a:t>2017-03-16</a:t>
+              <a:t>2017-03-22</a:t>
             </a:fld>
             <a:endParaRPr lang="ko-KR" altLang="en-US"/>
           </a:p>
@@ -1445,7 +1534,7 @@
           <a:p>
             <a:fld id="{8AF413E6-48B4-4129-BAB6-DFE4F46389B2}" type="datetimeFigureOut">
               <a:rPr lang="ko-KR" altLang="en-US" smtClean="0"/>
-              <a:t>2017-03-16</a:t>
+              <a:t>2017-03-22</a:t>
             </a:fld>
             <a:endParaRPr lang="ko-KR" altLang="en-US"/>
           </a:p>
@@ -1677,7 +1766,7 @@
           <a:p>
             <a:fld id="{8AF413E6-48B4-4129-BAB6-DFE4F46389B2}" type="datetimeFigureOut">
               <a:rPr lang="ko-KR" altLang="en-US" smtClean="0"/>
-              <a:t>2017-03-16</a:t>
+              <a:t>2017-03-22</a:t>
             </a:fld>
             <a:endParaRPr lang="ko-KR" altLang="en-US"/>
           </a:p>
@@ -2044,7 +2133,7 @@
           <a:p>
             <a:fld id="{8AF413E6-48B4-4129-BAB6-DFE4F46389B2}" type="datetimeFigureOut">
               <a:rPr lang="ko-KR" altLang="en-US" smtClean="0"/>
-              <a:t>2017-03-16</a:t>
+              <a:t>2017-03-22</a:t>
             </a:fld>
             <a:endParaRPr lang="ko-KR" altLang="en-US"/>
           </a:p>
@@ -2162,7 +2251,7 @@
           <a:p>
             <a:fld id="{8AF413E6-48B4-4129-BAB6-DFE4F46389B2}" type="datetimeFigureOut">
               <a:rPr lang="ko-KR" altLang="en-US" smtClean="0"/>
-              <a:t>2017-03-16</a:t>
+              <a:t>2017-03-22</a:t>
             </a:fld>
             <a:endParaRPr lang="ko-KR" altLang="en-US"/>
           </a:p>
@@ -2257,7 +2346,7 @@
           <a:p>
             <a:fld id="{8AF413E6-48B4-4129-BAB6-DFE4F46389B2}" type="datetimeFigureOut">
               <a:rPr lang="ko-KR" altLang="en-US" smtClean="0"/>
-              <a:t>2017-03-16</a:t>
+              <a:t>2017-03-22</a:t>
             </a:fld>
             <a:endParaRPr lang="ko-KR" altLang="en-US"/>
           </a:p>
@@ -2534,7 +2623,7 @@
           <a:p>
             <a:fld id="{8AF413E6-48B4-4129-BAB6-DFE4F46389B2}" type="datetimeFigureOut">
               <a:rPr lang="ko-KR" altLang="en-US" smtClean="0"/>
-              <a:t>2017-03-16</a:t>
+              <a:t>2017-03-22</a:t>
             </a:fld>
             <a:endParaRPr lang="ko-KR" altLang="en-US"/>
           </a:p>
@@ -2791,7 +2880,7 @@
           <a:p>
             <a:fld id="{8AF413E6-48B4-4129-BAB6-DFE4F46389B2}" type="datetimeFigureOut">
               <a:rPr lang="ko-KR" altLang="en-US" smtClean="0"/>
-              <a:t>2017-03-16</a:t>
+              <a:t>2017-03-22</a:t>
             </a:fld>
             <a:endParaRPr lang="ko-KR" altLang="en-US"/>
           </a:p>
@@ -3004,7 +3093,7 @@
           <a:p>
             <a:fld id="{8AF413E6-48B4-4129-BAB6-DFE4F46389B2}" type="datetimeFigureOut">
               <a:rPr lang="ko-KR" altLang="en-US" smtClean="0"/>
-              <a:t>2017-03-16</a:t>
+              <a:t>2017-03-22</a:t>
             </a:fld>
             <a:endParaRPr lang="ko-KR" altLang="en-US"/>
           </a:p>
@@ -4010,6 +4099,13 @@
   <p:clrMapOvr>
     <a:masterClrMapping/>
   </p:clrMapOvr>
+  <p:timing>
+    <p:tnLst>
+      <p:par>
+        <p:cTn id="1" dur="indefinite" restart="never" nodeType="tmRoot"/>
+      </p:par>
+    </p:tnLst>
+  </p:timing>
 </p:sld>
 </file>
 
@@ -5038,6 +5134,2672 @@
     <p:extLst>
       <p:ext uri="{BB962C8B-B14F-4D97-AF65-F5344CB8AC3E}">
         <p14:creationId xmlns:p14="http://schemas.microsoft.com/office/powerpoint/2010/main" val="267811937"/>
+      </p:ext>
+    </p:extLst>
+  </p:cSld>
+  <p:clrMapOvr>
+    <a:masterClrMapping/>
+  </p:clrMapOvr>
+  <p:timing>
+    <p:tnLst>
+      <p:par>
+        <p:cTn id="1" dur="indefinite" restart="never" nodeType="tmRoot"/>
+      </p:par>
+    </p:tnLst>
+  </p:timing>
+</p:sld>
+</file>
+
+<file path=ppt/slides/slide3.xml><?xml version="1.0" encoding="utf-8"?>
+<p:sld xmlns:a="http://schemas.openxmlformats.org/drawingml/2006/main" xmlns:r="http://schemas.openxmlformats.org/officeDocument/2006/relationships" xmlns:p="http://schemas.openxmlformats.org/presentationml/2006/main">
+  <p:cSld>
+    <p:spTree>
+      <p:nvGrpSpPr>
+        <p:cNvPr id="1" name=""/>
+        <p:cNvGrpSpPr/>
+        <p:nvPr/>
+      </p:nvGrpSpPr>
+      <p:grpSpPr>
+        <a:xfrm>
+          <a:off x="0" y="0"/>
+          <a:ext cx="0" cy="0"/>
+          <a:chOff x="0" y="0"/>
+          <a:chExt cx="0" cy="0"/>
+        </a:xfrm>
+      </p:grpSpPr>
+      <p:sp>
+        <p:nvSpPr>
+          <p:cNvPr id="27" name="모서리가 둥근 직사각형 26"/>
+          <p:cNvSpPr/>
+          <p:nvPr/>
+        </p:nvSpPr>
+        <p:spPr>
+          <a:xfrm>
+            <a:off x="870436" y="2514599"/>
+            <a:ext cx="1116623" cy="1081454"/>
+          </a:xfrm>
+          <a:prstGeom prst="roundRect">
+            <a:avLst/>
+          </a:prstGeom>
+        </p:spPr>
+        <p:style>
+          <a:lnRef idx="0">
+            <a:schemeClr val="accent6"/>
+          </a:lnRef>
+          <a:fillRef idx="3">
+            <a:schemeClr val="accent6"/>
+          </a:fillRef>
+          <a:effectRef idx="3">
+            <a:schemeClr val="accent6"/>
+          </a:effectRef>
+          <a:fontRef idx="minor">
+            <a:schemeClr val="lt1"/>
+          </a:fontRef>
+        </p:style>
+        <p:txBody>
+          <a:bodyPr rtlCol="0" anchor="ctr"/>
+          <a:lstStyle/>
+          <a:p>
+            <a:pPr algn="ctr"/>
+            <a:r>
+              <a:rPr lang="en-US" altLang="ko-KR" dirty="0" smtClean="0"/>
+              <a:t>Main</a:t>
+            </a:r>
+            <a:endParaRPr lang="ko-KR" altLang="en-US" dirty="0"/>
+          </a:p>
+        </p:txBody>
+      </p:sp>
+      <p:sp>
+        <p:nvSpPr>
+          <p:cNvPr id="29" name="모서리가 둥근 직사각형 28"/>
+          <p:cNvSpPr/>
+          <p:nvPr/>
+        </p:nvSpPr>
+        <p:spPr>
+          <a:xfrm>
+            <a:off x="4510453" y="931984"/>
+            <a:ext cx="1116623" cy="1081454"/>
+          </a:xfrm>
+          <a:prstGeom prst="roundRect">
+            <a:avLst/>
+          </a:prstGeom>
+        </p:spPr>
+        <p:style>
+          <a:lnRef idx="0">
+            <a:schemeClr val="accent5"/>
+          </a:lnRef>
+          <a:fillRef idx="3">
+            <a:schemeClr val="accent5"/>
+          </a:fillRef>
+          <a:effectRef idx="3">
+            <a:schemeClr val="accent5"/>
+          </a:effectRef>
+          <a:fontRef idx="minor">
+            <a:schemeClr val="lt1"/>
+          </a:fontRef>
+        </p:style>
+        <p:txBody>
+          <a:bodyPr rtlCol="0" anchor="ctr"/>
+          <a:lstStyle/>
+          <a:p>
+            <a:pPr algn="ctr"/>
+            <a:r>
+              <a:rPr lang="en-US" altLang="ko-KR" dirty="0" smtClean="0"/>
+              <a:t>View</a:t>
+            </a:r>
+          </a:p>
+          <a:p>
+            <a:pPr algn="ctr"/>
+            <a:r>
+              <a:rPr lang="en-US" altLang="ko-KR" dirty="0" smtClean="0"/>
+              <a:t>Features</a:t>
+            </a:r>
+            <a:endParaRPr lang="ko-KR" altLang="en-US" dirty="0"/>
+          </a:p>
+        </p:txBody>
+      </p:sp>
+      <p:sp>
+        <p:nvSpPr>
+          <p:cNvPr id="31" name="모서리가 둥근 직사각형 30"/>
+          <p:cNvSpPr/>
+          <p:nvPr/>
+        </p:nvSpPr>
+        <p:spPr>
+          <a:xfrm>
+            <a:off x="4510453" y="2514599"/>
+            <a:ext cx="1116623" cy="1081454"/>
+          </a:xfrm>
+          <a:prstGeom prst="roundRect">
+            <a:avLst/>
+          </a:prstGeom>
+        </p:spPr>
+        <p:style>
+          <a:lnRef idx="0">
+            <a:schemeClr val="accent5"/>
+          </a:lnRef>
+          <a:fillRef idx="3">
+            <a:schemeClr val="accent5"/>
+          </a:fillRef>
+          <a:effectRef idx="3">
+            <a:schemeClr val="accent5"/>
+          </a:effectRef>
+          <a:fontRef idx="minor">
+            <a:schemeClr val="lt1"/>
+          </a:fontRef>
+        </p:style>
+        <p:txBody>
+          <a:bodyPr rtlCol="0" anchor="ctr"/>
+          <a:lstStyle/>
+          <a:p>
+            <a:pPr algn="ctr"/>
+            <a:r>
+              <a:rPr lang="en-US" altLang="ko-KR" sz="1400" dirty="0" smtClean="0"/>
+              <a:t>Edit/Delete</a:t>
+            </a:r>
+            <a:endParaRPr lang="ko-KR" altLang="en-US" sz="1400" dirty="0"/>
+          </a:p>
+        </p:txBody>
+      </p:sp>
+      <p:sp>
+        <p:nvSpPr>
+          <p:cNvPr id="32" name="모서리가 둥근 직사각형 31"/>
+          <p:cNvSpPr/>
+          <p:nvPr/>
+        </p:nvSpPr>
+        <p:spPr>
+          <a:xfrm>
+            <a:off x="4510453" y="4097214"/>
+            <a:ext cx="1116622" cy="1081454"/>
+          </a:xfrm>
+          <a:prstGeom prst="roundRect">
+            <a:avLst/>
+          </a:prstGeom>
+        </p:spPr>
+        <p:style>
+          <a:lnRef idx="0">
+            <a:schemeClr val="accent5"/>
+          </a:lnRef>
+          <a:fillRef idx="3">
+            <a:schemeClr val="accent5"/>
+          </a:fillRef>
+          <a:effectRef idx="3">
+            <a:schemeClr val="accent5"/>
+          </a:effectRef>
+          <a:fontRef idx="minor">
+            <a:schemeClr val="lt1"/>
+          </a:fontRef>
+        </p:style>
+        <p:txBody>
+          <a:bodyPr rtlCol="0" anchor="ctr"/>
+          <a:lstStyle/>
+          <a:p>
+            <a:pPr algn="ctr"/>
+            <a:r>
+              <a:rPr lang="en-US" altLang="ko-KR" sz="1600" dirty="0" smtClean="0"/>
+              <a:t>Other Functions</a:t>
+            </a:r>
+            <a:endParaRPr lang="ko-KR" altLang="en-US" sz="1600" dirty="0"/>
+          </a:p>
+        </p:txBody>
+      </p:sp>
+      <p:cxnSp>
+        <p:nvCxnSpPr>
+          <p:cNvPr id="36" name="꺾인 연결선 35"/>
+          <p:cNvCxnSpPr>
+            <a:stCxn id="27" idx="3"/>
+            <a:endCxn id="29" idx="1"/>
+          </p:cNvCxnSpPr>
+          <p:nvPr/>
+        </p:nvCxnSpPr>
+        <p:spPr>
+          <a:xfrm flipV="1">
+            <a:off x="1987059" y="1472711"/>
+            <a:ext cx="2523394" cy="1582615"/>
+          </a:xfrm>
+          <a:prstGeom prst="bentConnector3">
+            <a:avLst/>
+          </a:prstGeom>
+          <a:ln w="38100">
+            <a:solidFill>
+              <a:srgbClr val="FF0000"/>
+            </a:solidFill>
+            <a:tailEnd type="triangle"/>
+          </a:ln>
+        </p:spPr>
+        <p:style>
+          <a:lnRef idx="1">
+            <a:schemeClr val="accent1"/>
+          </a:lnRef>
+          <a:fillRef idx="0">
+            <a:schemeClr val="accent1"/>
+          </a:fillRef>
+          <a:effectRef idx="0">
+            <a:schemeClr val="accent1"/>
+          </a:effectRef>
+          <a:fontRef idx="minor">
+            <a:schemeClr val="tx1"/>
+          </a:fontRef>
+        </p:style>
+      </p:cxnSp>
+      <p:cxnSp>
+        <p:nvCxnSpPr>
+          <p:cNvPr id="45" name="직선 화살표 연결선 44"/>
+          <p:cNvCxnSpPr>
+            <a:stCxn id="27" idx="3"/>
+            <a:endCxn id="31" idx="1"/>
+          </p:cNvCxnSpPr>
+          <p:nvPr/>
+        </p:nvCxnSpPr>
+        <p:spPr>
+          <a:xfrm>
+            <a:off x="1987059" y="3055326"/>
+            <a:ext cx="2523394" cy="0"/>
+          </a:xfrm>
+          <a:prstGeom prst="straightConnector1">
+            <a:avLst/>
+          </a:prstGeom>
+          <a:ln w="38100">
+            <a:solidFill>
+              <a:srgbClr val="FF0000"/>
+            </a:solidFill>
+            <a:tailEnd type="triangle"/>
+          </a:ln>
+        </p:spPr>
+        <p:style>
+          <a:lnRef idx="1">
+            <a:schemeClr val="accent1"/>
+          </a:lnRef>
+          <a:fillRef idx="0">
+            <a:schemeClr val="accent1"/>
+          </a:fillRef>
+          <a:effectRef idx="0">
+            <a:schemeClr val="accent1"/>
+          </a:effectRef>
+          <a:fontRef idx="minor">
+            <a:schemeClr val="tx1"/>
+          </a:fontRef>
+        </p:style>
+      </p:cxnSp>
+      <p:cxnSp>
+        <p:nvCxnSpPr>
+          <p:cNvPr id="47" name="꺾인 연결선 46"/>
+          <p:cNvCxnSpPr>
+            <a:stCxn id="27" idx="3"/>
+            <a:endCxn id="32" idx="1"/>
+          </p:cNvCxnSpPr>
+          <p:nvPr/>
+        </p:nvCxnSpPr>
+        <p:spPr>
+          <a:xfrm>
+            <a:off x="1987059" y="3055326"/>
+            <a:ext cx="2523394" cy="1582615"/>
+          </a:xfrm>
+          <a:prstGeom prst="bentConnector3">
+            <a:avLst/>
+          </a:prstGeom>
+          <a:ln w="38100">
+            <a:solidFill>
+              <a:srgbClr val="FF0000"/>
+            </a:solidFill>
+            <a:tailEnd type="triangle"/>
+          </a:ln>
+        </p:spPr>
+        <p:style>
+          <a:lnRef idx="1">
+            <a:schemeClr val="accent1"/>
+          </a:lnRef>
+          <a:fillRef idx="0">
+            <a:schemeClr val="accent1"/>
+          </a:fillRef>
+          <a:effectRef idx="0">
+            <a:schemeClr val="accent1"/>
+          </a:effectRef>
+          <a:fontRef idx="minor">
+            <a:schemeClr val="tx1"/>
+          </a:fontRef>
+        </p:style>
+      </p:cxnSp>
+      <p:cxnSp>
+        <p:nvCxnSpPr>
+          <p:cNvPr id="58" name="직선 화살표 연결선 57"/>
+          <p:cNvCxnSpPr>
+            <a:stCxn id="29" idx="2"/>
+            <a:endCxn id="31" idx="0"/>
+          </p:cNvCxnSpPr>
+          <p:nvPr/>
+        </p:nvCxnSpPr>
+        <p:spPr>
+          <a:xfrm>
+            <a:off x="5068765" y="2013438"/>
+            <a:ext cx="0" cy="501161"/>
+          </a:xfrm>
+          <a:prstGeom prst="straightConnector1">
+            <a:avLst/>
+          </a:prstGeom>
+          <a:ln w="38100">
+            <a:solidFill>
+              <a:srgbClr val="FF0000"/>
+            </a:solidFill>
+            <a:tailEnd type="triangle"/>
+          </a:ln>
+        </p:spPr>
+        <p:style>
+          <a:lnRef idx="1">
+            <a:schemeClr val="accent1"/>
+          </a:lnRef>
+          <a:fillRef idx="0">
+            <a:schemeClr val="accent1"/>
+          </a:fillRef>
+          <a:effectRef idx="0">
+            <a:schemeClr val="accent1"/>
+          </a:effectRef>
+          <a:fontRef idx="minor">
+            <a:schemeClr val="tx1"/>
+          </a:fontRef>
+        </p:style>
+      </p:cxnSp>
+      <p:cxnSp>
+        <p:nvCxnSpPr>
+          <p:cNvPr id="59" name="꺾인 연결선 58"/>
+          <p:cNvCxnSpPr>
+            <a:stCxn id="29" idx="0"/>
+            <a:endCxn id="27" idx="0"/>
+          </p:cNvCxnSpPr>
+          <p:nvPr/>
+        </p:nvCxnSpPr>
+        <p:spPr>
+          <a:xfrm rot="16200000" flipH="1" flipV="1">
+            <a:off x="2457449" y="-96718"/>
+            <a:ext cx="1582615" cy="3640017"/>
+          </a:xfrm>
+          <a:prstGeom prst="bentConnector3">
+            <a:avLst>
+              <a:gd name="adj1" fmla="val -14444"/>
+            </a:avLst>
+          </a:prstGeom>
+          <a:ln w="38100">
+            <a:tailEnd type="triangle"/>
+          </a:ln>
+        </p:spPr>
+        <p:style>
+          <a:lnRef idx="1">
+            <a:schemeClr val="accent6"/>
+          </a:lnRef>
+          <a:fillRef idx="0">
+            <a:schemeClr val="accent6"/>
+          </a:fillRef>
+          <a:effectRef idx="0">
+            <a:schemeClr val="accent6"/>
+          </a:effectRef>
+          <a:fontRef idx="minor">
+            <a:schemeClr val="tx1"/>
+          </a:fontRef>
+        </p:style>
+      </p:cxnSp>
+      <p:cxnSp>
+        <p:nvCxnSpPr>
+          <p:cNvPr id="62" name="꺾인 연결선 61"/>
+          <p:cNvCxnSpPr>
+            <a:stCxn id="32" idx="2"/>
+            <a:endCxn id="27" idx="2"/>
+          </p:cNvCxnSpPr>
+          <p:nvPr/>
+        </p:nvCxnSpPr>
+        <p:spPr>
+          <a:xfrm rot="5400000" flipH="1">
+            <a:off x="2457448" y="2567353"/>
+            <a:ext cx="1582615" cy="3640016"/>
+          </a:xfrm>
+          <a:prstGeom prst="bentConnector3">
+            <a:avLst>
+              <a:gd name="adj1" fmla="val -14444"/>
+            </a:avLst>
+          </a:prstGeom>
+          <a:ln w="38100">
+            <a:tailEnd type="triangle"/>
+          </a:ln>
+        </p:spPr>
+        <p:style>
+          <a:lnRef idx="1">
+            <a:schemeClr val="accent6"/>
+          </a:lnRef>
+          <a:fillRef idx="0">
+            <a:schemeClr val="accent6"/>
+          </a:fillRef>
+          <a:effectRef idx="0">
+            <a:schemeClr val="accent6"/>
+          </a:effectRef>
+          <a:fontRef idx="minor">
+            <a:schemeClr val="tx1"/>
+          </a:fontRef>
+        </p:style>
+      </p:cxnSp>
+      <p:cxnSp>
+        <p:nvCxnSpPr>
+          <p:cNvPr id="65" name="꺾인 연결선 64"/>
+          <p:cNvCxnSpPr>
+            <a:stCxn id="31" idx="3"/>
+            <a:endCxn id="27" idx="0"/>
+          </p:cNvCxnSpPr>
+          <p:nvPr/>
+        </p:nvCxnSpPr>
+        <p:spPr>
+          <a:xfrm flipH="1" flipV="1">
+            <a:off x="1428748" y="2514599"/>
+            <a:ext cx="4198328" cy="540727"/>
+          </a:xfrm>
+          <a:prstGeom prst="bentConnector4">
+            <a:avLst>
+              <a:gd name="adj1" fmla="val -5445"/>
+              <a:gd name="adj2" fmla="val 436520"/>
+            </a:avLst>
+          </a:prstGeom>
+          <a:ln w="38100">
+            <a:tailEnd type="triangle"/>
+          </a:ln>
+        </p:spPr>
+        <p:style>
+          <a:lnRef idx="1">
+            <a:schemeClr val="accent6"/>
+          </a:lnRef>
+          <a:fillRef idx="0">
+            <a:schemeClr val="accent6"/>
+          </a:fillRef>
+          <a:effectRef idx="0">
+            <a:schemeClr val="accent6"/>
+          </a:effectRef>
+          <a:fontRef idx="minor">
+            <a:schemeClr val="tx1"/>
+          </a:fontRef>
+        </p:style>
+      </p:cxnSp>
+    </p:spTree>
+    <p:extLst>
+      <p:ext uri="{BB962C8B-B14F-4D97-AF65-F5344CB8AC3E}">
+        <p14:creationId xmlns:p14="http://schemas.microsoft.com/office/powerpoint/2010/main" val="1337553978"/>
+      </p:ext>
+    </p:extLst>
+  </p:cSld>
+  <p:clrMapOvr>
+    <a:masterClrMapping/>
+  </p:clrMapOvr>
+  <p:timing>
+    <p:tnLst>
+      <p:par>
+        <p:cTn id="1" dur="indefinite" restart="never" nodeType="tmRoot"/>
+      </p:par>
+    </p:tnLst>
+  </p:timing>
+</p:sld>
+</file>
+
+<file path=ppt/slides/slide4.xml><?xml version="1.0" encoding="utf-8"?>
+<p:sld xmlns:a="http://schemas.openxmlformats.org/drawingml/2006/main" xmlns:r="http://schemas.openxmlformats.org/officeDocument/2006/relationships" xmlns:p="http://schemas.openxmlformats.org/presentationml/2006/main">
+  <p:cSld>
+    <p:spTree>
+      <p:nvGrpSpPr>
+        <p:cNvPr id="1" name=""/>
+        <p:cNvGrpSpPr/>
+        <p:nvPr/>
+      </p:nvGrpSpPr>
+      <p:grpSpPr>
+        <a:xfrm>
+          <a:off x="0" y="0"/>
+          <a:ext cx="0" cy="0"/>
+          <a:chOff x="0" y="0"/>
+          <a:chExt cx="0" cy="0"/>
+        </a:xfrm>
+      </p:grpSpPr>
+      <p:sp>
+        <p:nvSpPr>
+          <p:cNvPr id="4" name="직사각형 3"/>
+          <p:cNvSpPr/>
+          <p:nvPr/>
+        </p:nvSpPr>
+        <p:spPr>
+          <a:xfrm>
+            <a:off x="167054" y="290146"/>
+            <a:ext cx="8845061" cy="6304085"/>
+          </a:xfrm>
+          <a:prstGeom prst="rect">
+            <a:avLst/>
+          </a:prstGeom>
+          <a:ln w="38100"/>
+        </p:spPr>
+        <p:style>
+          <a:lnRef idx="2">
+            <a:schemeClr val="accent2"/>
+          </a:lnRef>
+          <a:fillRef idx="1">
+            <a:schemeClr val="lt1"/>
+          </a:fillRef>
+          <a:effectRef idx="0">
+            <a:schemeClr val="accent2"/>
+          </a:effectRef>
+          <a:fontRef idx="minor">
+            <a:schemeClr val="dk1"/>
+          </a:fontRef>
+        </p:style>
+        <p:txBody>
+          <a:bodyPr rtlCol="0" anchor="ctr"/>
+          <a:lstStyle/>
+          <a:p>
+            <a:pPr algn="ctr"/>
+            <a:endParaRPr lang="ko-KR" altLang="en-US"/>
+          </a:p>
+        </p:txBody>
+      </p:sp>
+      <p:pic>
+        <p:nvPicPr>
+          <p:cNvPr id="1054" name="Picture 30" descr="minecraft wallpaper에 대한 이미지 검색결과"/>
+          <p:cNvPicPr>
+            <a:picLocks noChangeAspect="1" noChangeArrowheads="1"/>
+          </p:cNvPicPr>
+          <p:nvPr/>
+        </p:nvPicPr>
+        <p:blipFill>
+          <a:blip r:embed="rId2" cstate="print">
+            <a:extLst>
+              <a:ext uri="{28A0092B-C50C-407E-A947-70E740481C1C}">
+                <a14:useLocalDpi xmlns:a14="http://schemas.microsoft.com/office/drawing/2010/main" val="0"/>
+              </a:ext>
+            </a:extLst>
+          </a:blip>
+          <a:srcRect/>
+          <a:stretch>
+            <a:fillRect/>
+          </a:stretch>
+        </p:blipFill>
+        <p:spPr bwMode="auto">
+          <a:xfrm>
+            <a:off x="5596681" y="3735049"/>
+            <a:ext cx="3135839" cy="2100407"/>
+          </a:xfrm>
+          <a:prstGeom prst="rect">
+            <a:avLst/>
+          </a:prstGeom>
+          <a:noFill/>
+          <a:extLst>
+            <a:ext uri="{909E8E84-426E-40DD-AFC4-6F175D3DCCD1}">
+              <a14:hiddenFill xmlns:a14="http://schemas.microsoft.com/office/drawing/2010/main">
+                <a:solidFill>
+                  <a:srgbClr val="FFFFFF"/>
+                </a:solidFill>
+              </a14:hiddenFill>
+            </a:ext>
+          </a:extLst>
+        </p:spPr>
+      </p:pic>
+      <p:pic>
+        <p:nvPicPr>
+          <p:cNvPr id="22" name="그림 21"/>
+          <p:cNvPicPr>
+            <a:picLocks noChangeAspect="1"/>
+          </p:cNvPicPr>
+          <p:nvPr/>
+        </p:nvPicPr>
+        <p:blipFill>
+          <a:blip r:embed="rId3"/>
+          <a:stretch>
+            <a:fillRect/>
+          </a:stretch>
+        </p:blipFill>
+        <p:spPr>
+          <a:xfrm>
+            <a:off x="5596682" y="1543051"/>
+            <a:ext cx="3415433" cy="2184888"/>
+          </a:xfrm>
+          <a:prstGeom prst="rect">
+            <a:avLst/>
+          </a:prstGeom>
+        </p:spPr>
+      </p:pic>
+      <p:sp>
+        <p:nvSpPr>
+          <p:cNvPr id="5" name="직사각형 4"/>
+          <p:cNvSpPr/>
+          <p:nvPr/>
+        </p:nvSpPr>
+        <p:spPr>
+          <a:xfrm>
+            <a:off x="167054" y="290146"/>
+            <a:ext cx="8845061" cy="1107831"/>
+          </a:xfrm>
+          <a:prstGeom prst="rect">
+            <a:avLst/>
+          </a:prstGeom>
+        </p:spPr>
+        <p:style>
+          <a:lnRef idx="2">
+            <a:schemeClr val="accent3">
+              <a:shade val="50000"/>
+            </a:schemeClr>
+          </a:lnRef>
+          <a:fillRef idx="1">
+            <a:schemeClr val="accent3"/>
+          </a:fillRef>
+          <a:effectRef idx="0">
+            <a:schemeClr val="accent3"/>
+          </a:effectRef>
+          <a:fontRef idx="minor">
+            <a:schemeClr val="lt1"/>
+          </a:fontRef>
+        </p:style>
+        <p:txBody>
+          <a:bodyPr rtlCol="0" anchor="ctr"/>
+          <a:lstStyle/>
+          <a:p>
+            <a:pPr algn="ctr"/>
+            <a:r>
+              <a:rPr lang="ko-KR" altLang="en-US" dirty="0" smtClean="0"/>
+              <a:t>상단 메뉴</a:t>
+            </a:r>
+            <a:r>
+              <a:rPr lang="en-US" altLang="ko-KR" dirty="0" smtClean="0"/>
+              <a:t>(</a:t>
+            </a:r>
+            <a:r>
+              <a:rPr lang="ko-KR" altLang="en-US" dirty="0" smtClean="0"/>
+              <a:t>웹</a:t>
+            </a:r>
+            <a:r>
+              <a:rPr lang="en-US" altLang="ko-KR" dirty="0"/>
+              <a:t>)</a:t>
+            </a:r>
+            <a:endParaRPr lang="ko-KR" altLang="en-US" dirty="0"/>
+          </a:p>
+        </p:txBody>
+      </p:sp>
+      <p:pic>
+        <p:nvPicPr>
+          <p:cNvPr id="1032" name="Picture 8" descr="game wallpaper에 대한 이미지 검색결과"/>
+          <p:cNvPicPr>
+            <a:picLocks noChangeAspect="1" noChangeArrowheads="1"/>
+          </p:cNvPicPr>
+          <p:nvPr/>
+        </p:nvPicPr>
+        <p:blipFill>
+          <a:blip r:embed="rId4" cstate="print">
+            <a:extLst>
+              <a:ext uri="{28A0092B-C50C-407E-A947-70E740481C1C}">
+                <a14:useLocalDpi xmlns:a14="http://schemas.microsoft.com/office/drawing/2010/main" val="0"/>
+              </a:ext>
+            </a:extLst>
+          </a:blip>
+          <a:srcRect/>
+          <a:stretch>
+            <a:fillRect/>
+          </a:stretch>
+        </p:blipFill>
+        <p:spPr bwMode="auto">
+          <a:xfrm>
+            <a:off x="307975" y="1543050"/>
+            <a:ext cx="2616590" cy="1635369"/>
+          </a:xfrm>
+          <a:prstGeom prst="rect">
+            <a:avLst/>
+          </a:prstGeom>
+          <a:noFill/>
+          <a:extLst>
+            <a:ext uri="{909E8E84-426E-40DD-AFC4-6F175D3DCCD1}">
+              <a14:hiddenFill xmlns:a14="http://schemas.microsoft.com/office/drawing/2010/main">
+                <a:solidFill>
+                  <a:srgbClr val="FFFFFF"/>
+                </a:solidFill>
+              </a14:hiddenFill>
+            </a:ext>
+          </a:extLst>
+        </p:spPr>
+      </p:pic>
+      <p:pic>
+        <p:nvPicPr>
+          <p:cNvPr id="1040" name="Picture 16" descr="data structure에 대한 이미지 검색결과"/>
+          <p:cNvPicPr>
+            <a:picLocks noChangeAspect="1" noChangeArrowheads="1"/>
+          </p:cNvPicPr>
+          <p:nvPr/>
+        </p:nvPicPr>
+        <p:blipFill>
+          <a:blip r:embed="rId5" cstate="print">
+            <a:extLst>
+              <a:ext uri="{28A0092B-C50C-407E-A947-70E740481C1C}">
+                <a14:useLocalDpi xmlns:a14="http://schemas.microsoft.com/office/drawing/2010/main" val="0"/>
+              </a:ext>
+            </a:extLst>
+          </a:blip>
+          <a:srcRect/>
+          <a:stretch>
+            <a:fillRect/>
+          </a:stretch>
+        </p:blipFill>
+        <p:spPr bwMode="auto">
+          <a:xfrm>
+            <a:off x="307975" y="3226220"/>
+            <a:ext cx="2612325" cy="1469432"/>
+          </a:xfrm>
+          <a:prstGeom prst="rect">
+            <a:avLst/>
+          </a:prstGeom>
+          <a:noFill/>
+          <a:extLst>
+            <a:ext uri="{909E8E84-426E-40DD-AFC4-6F175D3DCCD1}">
+              <a14:hiddenFill xmlns:a14="http://schemas.microsoft.com/office/drawing/2010/main">
+                <a:solidFill>
+                  <a:srgbClr val="FFFFFF"/>
+                </a:solidFill>
+              </a14:hiddenFill>
+            </a:ext>
+          </a:extLst>
+        </p:spPr>
+      </p:pic>
+      <p:pic>
+        <p:nvPicPr>
+          <p:cNvPr id="1042" name="Picture 18" descr="linear algebra에 대한 이미지 검색결과"/>
+          <p:cNvPicPr>
+            <a:picLocks noChangeAspect="1" noChangeArrowheads="1"/>
+          </p:cNvPicPr>
+          <p:nvPr/>
+        </p:nvPicPr>
+        <p:blipFill>
+          <a:blip r:embed="rId6" cstate="print">
+            <a:extLst>
+              <a:ext uri="{28A0092B-C50C-407E-A947-70E740481C1C}">
+                <a14:useLocalDpi xmlns:a14="http://schemas.microsoft.com/office/drawing/2010/main" val="0"/>
+              </a:ext>
+            </a:extLst>
+          </a:blip>
+          <a:srcRect/>
+          <a:stretch>
+            <a:fillRect/>
+          </a:stretch>
+        </p:blipFill>
+        <p:spPr bwMode="auto">
+          <a:xfrm>
+            <a:off x="2999677" y="1543050"/>
+            <a:ext cx="2521892" cy="3829050"/>
+          </a:xfrm>
+          <a:prstGeom prst="rect">
+            <a:avLst/>
+          </a:prstGeom>
+          <a:noFill/>
+          <a:extLst>
+            <a:ext uri="{909E8E84-426E-40DD-AFC4-6F175D3DCCD1}">
+              <a14:hiddenFill xmlns:a14="http://schemas.microsoft.com/office/drawing/2010/main">
+                <a:solidFill>
+                  <a:srgbClr val="FFFFFF"/>
+                </a:solidFill>
+              </a14:hiddenFill>
+            </a:ext>
+          </a:extLst>
+        </p:spPr>
+      </p:pic>
+      <p:sp>
+        <p:nvSpPr>
+          <p:cNvPr id="15" name="직사각형 14"/>
+          <p:cNvSpPr/>
+          <p:nvPr/>
+        </p:nvSpPr>
+        <p:spPr>
+          <a:xfrm>
+            <a:off x="7596554" y="1397977"/>
+            <a:ext cx="1415561" cy="5055577"/>
+          </a:xfrm>
+          <a:prstGeom prst="rect">
+            <a:avLst/>
+          </a:prstGeom>
+        </p:spPr>
+        <p:style>
+          <a:lnRef idx="2">
+            <a:schemeClr val="accent4">
+              <a:shade val="50000"/>
+            </a:schemeClr>
+          </a:lnRef>
+          <a:fillRef idx="1">
+            <a:schemeClr val="accent4"/>
+          </a:fillRef>
+          <a:effectRef idx="0">
+            <a:schemeClr val="accent4"/>
+          </a:effectRef>
+          <a:fontRef idx="minor">
+            <a:schemeClr val="lt1"/>
+          </a:fontRef>
+        </p:style>
+        <p:txBody>
+          <a:bodyPr rtlCol="0" anchor="ctr"/>
+          <a:lstStyle/>
+          <a:p>
+            <a:pPr algn="ctr"/>
+            <a:r>
+              <a:rPr lang="ko-KR" altLang="en-US" dirty="0" smtClean="0"/>
+              <a:t>메뉴 바</a:t>
+            </a:r>
+            <a:r>
+              <a:rPr lang="en-US" altLang="ko-KR" dirty="0" smtClean="0"/>
+              <a:t>(Hover)</a:t>
+            </a:r>
+            <a:endParaRPr lang="ko-KR" altLang="en-US" dirty="0"/>
+          </a:p>
+        </p:txBody>
+      </p:sp>
+      <p:sp>
+        <p:nvSpPr>
+          <p:cNvPr id="16" name="직사각형 15"/>
+          <p:cNvSpPr/>
+          <p:nvPr/>
+        </p:nvSpPr>
+        <p:spPr>
+          <a:xfrm>
+            <a:off x="167054" y="6444762"/>
+            <a:ext cx="8845061" cy="149469"/>
+          </a:xfrm>
+          <a:prstGeom prst="rect">
+            <a:avLst/>
+          </a:prstGeom>
+        </p:spPr>
+        <p:style>
+          <a:lnRef idx="2">
+            <a:schemeClr val="accent3">
+              <a:shade val="50000"/>
+            </a:schemeClr>
+          </a:lnRef>
+          <a:fillRef idx="1">
+            <a:schemeClr val="accent3"/>
+          </a:fillRef>
+          <a:effectRef idx="0">
+            <a:schemeClr val="accent3"/>
+          </a:effectRef>
+          <a:fontRef idx="minor">
+            <a:schemeClr val="lt1"/>
+          </a:fontRef>
+        </p:style>
+        <p:txBody>
+          <a:bodyPr rtlCol="0" anchor="ctr"/>
+          <a:lstStyle/>
+          <a:p>
+            <a:pPr algn="ctr"/>
+            <a:endParaRPr lang="ko-KR" altLang="en-US"/>
+          </a:p>
+        </p:txBody>
+      </p:sp>
+      <p:sp>
+        <p:nvSpPr>
+          <p:cNvPr id="17" name="직사각형 16"/>
+          <p:cNvSpPr/>
+          <p:nvPr/>
+        </p:nvSpPr>
+        <p:spPr>
+          <a:xfrm>
+            <a:off x="172180" y="6453554"/>
+            <a:ext cx="2878748" cy="140677"/>
+          </a:xfrm>
+          <a:prstGeom prst="rect">
+            <a:avLst/>
+          </a:prstGeom>
+        </p:spPr>
+        <p:style>
+          <a:lnRef idx="2">
+            <a:schemeClr val="accent5">
+              <a:shade val="50000"/>
+            </a:schemeClr>
+          </a:lnRef>
+          <a:fillRef idx="1">
+            <a:schemeClr val="accent5"/>
+          </a:fillRef>
+          <a:effectRef idx="0">
+            <a:schemeClr val="accent5"/>
+          </a:effectRef>
+          <a:fontRef idx="minor">
+            <a:schemeClr val="lt1"/>
+          </a:fontRef>
+        </p:style>
+        <p:txBody>
+          <a:bodyPr rtlCol="0" anchor="ctr"/>
+          <a:lstStyle/>
+          <a:p>
+            <a:pPr algn="ctr"/>
+            <a:endParaRPr lang="ko-KR" altLang="en-US"/>
+          </a:p>
+        </p:txBody>
+      </p:sp>
+      <p:sp>
+        <p:nvSpPr>
+          <p:cNvPr id="18" name="직사각형 17"/>
+          <p:cNvSpPr/>
+          <p:nvPr/>
+        </p:nvSpPr>
+        <p:spPr>
+          <a:xfrm>
+            <a:off x="1458425" y="6453554"/>
+            <a:ext cx="45719" cy="140677"/>
+          </a:xfrm>
+          <a:prstGeom prst="rect">
+            <a:avLst/>
+          </a:prstGeom>
+        </p:spPr>
+        <p:style>
+          <a:lnRef idx="2">
+            <a:schemeClr val="accent1">
+              <a:shade val="50000"/>
+            </a:schemeClr>
+          </a:lnRef>
+          <a:fillRef idx="1">
+            <a:schemeClr val="accent1"/>
+          </a:fillRef>
+          <a:effectRef idx="0">
+            <a:schemeClr val="accent1"/>
+          </a:effectRef>
+          <a:fontRef idx="minor">
+            <a:schemeClr val="lt1"/>
+          </a:fontRef>
+        </p:style>
+        <p:txBody>
+          <a:bodyPr rtlCol="0" anchor="ctr"/>
+          <a:lstStyle/>
+          <a:p>
+            <a:pPr algn="ctr"/>
+            <a:endParaRPr lang="ko-KR" altLang="en-US"/>
+          </a:p>
+        </p:txBody>
+      </p:sp>
+      <p:sp>
+        <p:nvSpPr>
+          <p:cNvPr id="19" name="직사각형 18"/>
+          <p:cNvSpPr/>
+          <p:nvPr/>
+        </p:nvSpPr>
+        <p:spPr>
+          <a:xfrm>
+            <a:off x="1539387" y="6453554"/>
+            <a:ext cx="45719" cy="140677"/>
+          </a:xfrm>
+          <a:prstGeom prst="rect">
+            <a:avLst/>
+          </a:prstGeom>
+        </p:spPr>
+        <p:style>
+          <a:lnRef idx="2">
+            <a:schemeClr val="accent1">
+              <a:shade val="50000"/>
+            </a:schemeClr>
+          </a:lnRef>
+          <a:fillRef idx="1">
+            <a:schemeClr val="accent1"/>
+          </a:fillRef>
+          <a:effectRef idx="0">
+            <a:schemeClr val="accent1"/>
+          </a:effectRef>
+          <a:fontRef idx="minor">
+            <a:schemeClr val="lt1"/>
+          </a:fontRef>
+        </p:style>
+        <p:txBody>
+          <a:bodyPr rtlCol="0" anchor="ctr"/>
+          <a:lstStyle/>
+          <a:p>
+            <a:pPr algn="ctr"/>
+            <a:endParaRPr lang="ko-KR" altLang="en-US"/>
+          </a:p>
+        </p:txBody>
+      </p:sp>
+      <p:sp>
+        <p:nvSpPr>
+          <p:cNvPr id="20" name="직사각형 19"/>
+          <p:cNvSpPr/>
+          <p:nvPr/>
+        </p:nvSpPr>
+        <p:spPr>
+          <a:xfrm>
+            <a:off x="1620349" y="6453554"/>
+            <a:ext cx="45719" cy="140677"/>
+          </a:xfrm>
+          <a:prstGeom prst="rect">
+            <a:avLst/>
+          </a:prstGeom>
+        </p:spPr>
+        <p:style>
+          <a:lnRef idx="2">
+            <a:schemeClr val="accent1">
+              <a:shade val="50000"/>
+            </a:schemeClr>
+          </a:lnRef>
+          <a:fillRef idx="1">
+            <a:schemeClr val="accent1"/>
+          </a:fillRef>
+          <a:effectRef idx="0">
+            <a:schemeClr val="accent1"/>
+          </a:effectRef>
+          <a:fontRef idx="minor">
+            <a:schemeClr val="lt1"/>
+          </a:fontRef>
+        </p:style>
+        <p:txBody>
+          <a:bodyPr rtlCol="0" anchor="ctr"/>
+          <a:lstStyle/>
+          <a:p>
+            <a:pPr algn="ctr"/>
+            <a:endParaRPr lang="ko-KR" altLang="en-US"/>
+          </a:p>
+        </p:txBody>
+      </p:sp>
+      <p:sp>
+        <p:nvSpPr>
+          <p:cNvPr id="12" name="AutoShape 20" descr="http://www.imgbase.info/images/safe-wallpapers/anime/the_idolmaster/35772-the_idolmaster_wallpaper.jpg"/>
+          <p:cNvSpPr>
+            <a:spLocks noChangeAspect="1" noChangeArrowheads="1"/>
+          </p:cNvSpPr>
+          <p:nvPr/>
+        </p:nvSpPr>
+        <p:spPr bwMode="auto">
+          <a:xfrm>
+            <a:off x="307975" y="7937"/>
+            <a:ext cx="304800" cy="304801"/>
+          </a:xfrm>
+          <a:prstGeom prst="rect">
+            <a:avLst/>
+          </a:prstGeom>
+          <a:noFill/>
+          <a:extLst>
+            <a:ext uri="{909E8E84-426E-40DD-AFC4-6F175D3DCCD1}">
+              <a14:hiddenFill xmlns:a14="http://schemas.microsoft.com/office/drawing/2010/main">
+                <a:solidFill>
+                  <a:srgbClr val="FFFFFF"/>
+                </a:solidFill>
+              </a14:hiddenFill>
+            </a:ext>
+          </a:extLst>
+        </p:spPr>
+        <p:txBody>
+          <a:bodyPr vert="horz" wrap="square" lIns="91440" tIns="45720" rIns="91440" bIns="45720" numCol="1" anchor="t" anchorCtr="0" compatLnSpc="1">
+            <a:prstTxWarp prst="textNoShape">
+              <a:avLst/>
+            </a:prstTxWarp>
+          </a:bodyPr>
+          <a:lstStyle/>
+          <a:p>
+            <a:endParaRPr lang="ko-KR" altLang="en-US"/>
+          </a:p>
+        </p:txBody>
+      </p:sp>
+      <p:pic>
+        <p:nvPicPr>
+          <p:cNvPr id="1052" name="Picture 28" descr="http://intranetfactory.com/content2/image.axd?picture=2010%2f11%2fistock_000011760242xsmall.jpg"/>
+          <p:cNvPicPr>
+            <a:picLocks noChangeAspect="1" noChangeArrowheads="1"/>
+          </p:cNvPicPr>
+          <p:nvPr/>
+        </p:nvPicPr>
+        <p:blipFill>
+          <a:blip r:embed="rId7">
+            <a:extLst>
+              <a:ext uri="{28A0092B-C50C-407E-A947-70E740481C1C}">
+                <a14:useLocalDpi xmlns:a14="http://schemas.microsoft.com/office/drawing/2010/main" val="0"/>
+              </a:ext>
+            </a:extLst>
+          </a:blip>
+          <a:srcRect/>
+          <a:stretch>
+            <a:fillRect/>
+          </a:stretch>
+        </p:blipFill>
+        <p:spPr bwMode="auto">
+          <a:xfrm>
+            <a:off x="307974" y="4761038"/>
+            <a:ext cx="2612325" cy="1525462"/>
+          </a:xfrm>
+          <a:prstGeom prst="rect">
+            <a:avLst/>
+          </a:prstGeom>
+          <a:noFill/>
+          <a:extLst>
+            <a:ext uri="{909E8E84-426E-40DD-AFC4-6F175D3DCCD1}">
+              <a14:hiddenFill xmlns:a14="http://schemas.microsoft.com/office/drawing/2010/main">
+                <a:solidFill>
+                  <a:srgbClr val="FFFFFF"/>
+                </a:solidFill>
+              </a14:hiddenFill>
+            </a:ext>
+          </a:extLst>
+        </p:spPr>
+      </p:pic>
+      <p:sp>
+        <p:nvSpPr>
+          <p:cNvPr id="23" name="직사각형 22"/>
+          <p:cNvSpPr/>
+          <p:nvPr/>
+        </p:nvSpPr>
+        <p:spPr>
+          <a:xfrm>
+            <a:off x="307974" y="1543050"/>
+            <a:ext cx="1468072" cy="276958"/>
+          </a:xfrm>
+          <a:prstGeom prst="rect">
+            <a:avLst/>
+          </a:prstGeom>
+          <a:noFill/>
+        </p:spPr>
+        <p:style>
+          <a:lnRef idx="2">
+            <a:schemeClr val="accent1"/>
+          </a:lnRef>
+          <a:fillRef idx="1">
+            <a:schemeClr val="lt1"/>
+          </a:fillRef>
+          <a:effectRef idx="0">
+            <a:schemeClr val="accent1"/>
+          </a:effectRef>
+          <a:fontRef idx="minor">
+            <a:schemeClr val="dk1"/>
+          </a:fontRef>
+        </p:style>
+        <p:txBody>
+          <a:bodyPr rtlCol="0" anchor="ctr"/>
+          <a:lstStyle/>
+          <a:p>
+            <a:pPr algn="ctr"/>
+            <a:r>
+              <a:rPr lang="en-US" altLang="ko-KR" dirty="0" smtClean="0">
+                <a:solidFill>
+                  <a:schemeClr val="bg1"/>
+                </a:solidFill>
+              </a:rPr>
+              <a:t>2017 3/10</a:t>
+            </a:r>
+            <a:endParaRPr lang="ko-KR" altLang="en-US" dirty="0">
+              <a:solidFill>
+                <a:schemeClr val="bg1"/>
+              </a:solidFill>
+            </a:endParaRPr>
+          </a:p>
+        </p:txBody>
+      </p:sp>
+      <p:sp>
+        <p:nvSpPr>
+          <p:cNvPr id="24" name="모서리가 둥근 직사각형 23"/>
+          <p:cNvSpPr/>
+          <p:nvPr/>
+        </p:nvSpPr>
+        <p:spPr>
+          <a:xfrm>
+            <a:off x="1641778" y="2647573"/>
+            <a:ext cx="570043" cy="451706"/>
+          </a:xfrm>
+          <a:prstGeom prst="roundRect">
+            <a:avLst/>
+          </a:prstGeom>
+        </p:spPr>
+        <p:style>
+          <a:lnRef idx="2">
+            <a:schemeClr val="accent1">
+              <a:shade val="50000"/>
+            </a:schemeClr>
+          </a:lnRef>
+          <a:fillRef idx="1">
+            <a:schemeClr val="accent1"/>
+          </a:fillRef>
+          <a:effectRef idx="0">
+            <a:schemeClr val="accent1"/>
+          </a:effectRef>
+          <a:fontRef idx="minor">
+            <a:schemeClr val="lt1"/>
+          </a:fontRef>
+        </p:style>
+        <p:txBody>
+          <a:bodyPr rtlCol="0" anchor="ctr"/>
+          <a:lstStyle/>
+          <a:p>
+            <a:pPr algn="ctr"/>
+            <a:r>
+              <a:rPr lang="en-US" altLang="ko-KR" sz="1600" dirty="0" smtClean="0"/>
+              <a:t>Edit</a:t>
+            </a:r>
+            <a:endParaRPr lang="ko-KR" altLang="en-US" sz="1600" dirty="0"/>
+          </a:p>
+        </p:txBody>
+      </p:sp>
+      <p:sp>
+        <p:nvSpPr>
+          <p:cNvPr id="31" name="모서리가 둥근 직사각형 30"/>
+          <p:cNvSpPr/>
+          <p:nvPr/>
+        </p:nvSpPr>
+        <p:spPr>
+          <a:xfrm>
+            <a:off x="2286933" y="2656366"/>
+            <a:ext cx="570043" cy="451706"/>
+          </a:xfrm>
+          <a:prstGeom prst="roundRect">
+            <a:avLst/>
+          </a:prstGeom>
+        </p:spPr>
+        <p:style>
+          <a:lnRef idx="2">
+            <a:schemeClr val="accent1">
+              <a:shade val="50000"/>
+            </a:schemeClr>
+          </a:lnRef>
+          <a:fillRef idx="1">
+            <a:schemeClr val="accent1"/>
+          </a:fillRef>
+          <a:effectRef idx="0">
+            <a:schemeClr val="accent1"/>
+          </a:effectRef>
+          <a:fontRef idx="minor">
+            <a:schemeClr val="lt1"/>
+          </a:fontRef>
+        </p:style>
+        <p:txBody>
+          <a:bodyPr rtlCol="0" anchor="ctr"/>
+          <a:lstStyle/>
+          <a:p>
+            <a:pPr algn="ctr"/>
+            <a:r>
+              <a:rPr lang="en-US" altLang="ko-KR" sz="1600" dirty="0" smtClean="0"/>
+              <a:t>Del</a:t>
+            </a:r>
+            <a:endParaRPr lang="ko-KR" altLang="en-US" sz="1600" dirty="0"/>
+          </a:p>
+        </p:txBody>
+      </p:sp>
+      <p:sp>
+        <p:nvSpPr>
+          <p:cNvPr id="25" name="TextBox 24"/>
+          <p:cNvSpPr txBox="1"/>
+          <p:nvPr/>
+        </p:nvSpPr>
+        <p:spPr>
+          <a:xfrm>
+            <a:off x="1301262" y="867880"/>
+            <a:ext cx="2136530" cy="369332"/>
+          </a:xfrm>
+          <a:prstGeom prst="rect">
+            <a:avLst/>
+          </a:prstGeom>
+        </p:spPr>
+        <p:style>
+          <a:lnRef idx="2">
+            <a:schemeClr val="accent6"/>
+          </a:lnRef>
+          <a:fillRef idx="1">
+            <a:schemeClr val="lt1"/>
+          </a:fillRef>
+          <a:effectRef idx="0">
+            <a:schemeClr val="accent6"/>
+          </a:effectRef>
+          <a:fontRef idx="minor">
+            <a:schemeClr val="dk1"/>
+          </a:fontRef>
+        </p:style>
+        <p:txBody>
+          <a:bodyPr wrap="square" rtlCol="0">
+            <a:spAutoFit/>
+          </a:bodyPr>
+          <a:lstStyle/>
+          <a:p>
+            <a:pPr algn="ctr"/>
+            <a:r>
+              <a:rPr lang="ko-KR" altLang="en-US" dirty="0" err="1" smtClean="0"/>
+              <a:t>호버할</a:t>
+            </a:r>
+            <a:r>
+              <a:rPr lang="ko-KR" altLang="en-US" dirty="0" smtClean="0"/>
+              <a:t> 시 나타남</a:t>
+            </a:r>
+            <a:endParaRPr lang="ko-KR" altLang="en-US" dirty="0"/>
+          </a:p>
+        </p:txBody>
+      </p:sp>
+      <p:cxnSp>
+        <p:nvCxnSpPr>
+          <p:cNvPr id="27" name="꺾인 연결선 26"/>
+          <p:cNvCxnSpPr>
+            <a:stCxn id="25" idx="2"/>
+            <a:endCxn id="23" idx="0"/>
+          </p:cNvCxnSpPr>
+          <p:nvPr/>
+        </p:nvCxnSpPr>
+        <p:spPr>
+          <a:xfrm rot="5400000">
+            <a:off x="1552850" y="726373"/>
+            <a:ext cx="305838" cy="1327517"/>
+          </a:xfrm>
+          <a:prstGeom prst="bentConnector3">
+            <a:avLst>
+              <a:gd name="adj1" fmla="val 27001"/>
+            </a:avLst>
+          </a:prstGeom>
+          <a:ln w="57150">
+            <a:solidFill>
+              <a:srgbClr val="00B050"/>
+            </a:solidFill>
+            <a:tailEnd type="triangle"/>
+          </a:ln>
+        </p:spPr>
+        <p:style>
+          <a:lnRef idx="1">
+            <a:schemeClr val="accent1"/>
+          </a:lnRef>
+          <a:fillRef idx="0">
+            <a:schemeClr val="accent1"/>
+          </a:fillRef>
+          <a:effectRef idx="0">
+            <a:schemeClr val="accent1"/>
+          </a:effectRef>
+          <a:fontRef idx="minor">
+            <a:schemeClr val="tx1"/>
+          </a:fontRef>
+        </p:style>
+      </p:cxnSp>
+      <p:cxnSp>
+        <p:nvCxnSpPr>
+          <p:cNvPr id="36" name="꺾인 연결선 35"/>
+          <p:cNvCxnSpPr>
+            <a:stCxn id="25" idx="2"/>
+            <a:endCxn id="24" idx="0"/>
+          </p:cNvCxnSpPr>
+          <p:nvPr/>
+        </p:nvCxnSpPr>
+        <p:spPr>
+          <a:xfrm rot="5400000">
+            <a:off x="1442984" y="1721029"/>
+            <a:ext cx="1410361" cy="442727"/>
+          </a:xfrm>
+          <a:prstGeom prst="bentConnector3">
+            <a:avLst/>
+          </a:prstGeom>
+          <a:ln w="57150">
+            <a:solidFill>
+              <a:srgbClr val="00B050"/>
+            </a:solidFill>
+            <a:tailEnd type="triangle"/>
+          </a:ln>
+        </p:spPr>
+        <p:style>
+          <a:lnRef idx="1">
+            <a:schemeClr val="accent1"/>
+          </a:lnRef>
+          <a:fillRef idx="0">
+            <a:schemeClr val="accent1"/>
+          </a:fillRef>
+          <a:effectRef idx="0">
+            <a:schemeClr val="accent1"/>
+          </a:effectRef>
+          <a:fontRef idx="minor">
+            <a:schemeClr val="tx1"/>
+          </a:fontRef>
+        </p:style>
+      </p:cxnSp>
+      <p:cxnSp>
+        <p:nvCxnSpPr>
+          <p:cNvPr id="42" name="꺾인 연결선 41"/>
+          <p:cNvCxnSpPr>
+            <a:stCxn id="25" idx="2"/>
+            <a:endCxn id="31" idx="0"/>
+          </p:cNvCxnSpPr>
+          <p:nvPr/>
+        </p:nvCxnSpPr>
+        <p:spPr>
+          <a:xfrm rot="16200000" flipH="1">
+            <a:off x="1761164" y="1845575"/>
+            <a:ext cx="1419154" cy="202428"/>
+          </a:xfrm>
+          <a:prstGeom prst="bentConnector3">
+            <a:avLst>
+              <a:gd name="adj1" fmla="val 50000"/>
+            </a:avLst>
+          </a:prstGeom>
+          <a:ln w="57150">
+            <a:solidFill>
+              <a:srgbClr val="00B050"/>
+            </a:solidFill>
+            <a:tailEnd type="triangle"/>
+          </a:ln>
+        </p:spPr>
+        <p:style>
+          <a:lnRef idx="1">
+            <a:schemeClr val="accent1"/>
+          </a:lnRef>
+          <a:fillRef idx="0">
+            <a:schemeClr val="accent1"/>
+          </a:fillRef>
+          <a:effectRef idx="0">
+            <a:schemeClr val="accent1"/>
+          </a:effectRef>
+          <a:fontRef idx="minor">
+            <a:schemeClr val="tx1"/>
+          </a:fontRef>
+        </p:style>
+      </p:cxnSp>
+      <p:sp>
+        <p:nvSpPr>
+          <p:cNvPr id="46" name="TextBox 45"/>
+          <p:cNvSpPr txBox="1"/>
+          <p:nvPr/>
+        </p:nvSpPr>
+        <p:spPr>
+          <a:xfrm>
+            <a:off x="275053" y="3853328"/>
+            <a:ext cx="2136530" cy="369332"/>
+          </a:xfrm>
+          <a:prstGeom prst="rect">
+            <a:avLst/>
+          </a:prstGeom>
+        </p:spPr>
+        <p:style>
+          <a:lnRef idx="2">
+            <a:schemeClr val="accent6"/>
+          </a:lnRef>
+          <a:fillRef idx="1">
+            <a:schemeClr val="lt1"/>
+          </a:fillRef>
+          <a:effectRef idx="0">
+            <a:schemeClr val="accent6"/>
+          </a:effectRef>
+          <a:fontRef idx="minor">
+            <a:schemeClr val="dk1"/>
+          </a:fontRef>
+        </p:style>
+        <p:txBody>
+          <a:bodyPr wrap="square" rtlCol="0">
+            <a:spAutoFit/>
+          </a:bodyPr>
+          <a:lstStyle/>
+          <a:p>
+            <a:pPr algn="ctr"/>
+            <a:r>
+              <a:rPr lang="ko-KR" altLang="en-US" dirty="0" smtClean="0"/>
+              <a:t>사진 클릭 시 이동</a:t>
+            </a:r>
+            <a:endParaRPr lang="ko-KR" altLang="en-US" dirty="0"/>
+          </a:p>
+        </p:txBody>
+      </p:sp>
+      <p:cxnSp>
+        <p:nvCxnSpPr>
+          <p:cNvPr id="47" name="꺾인 연결선 46"/>
+          <p:cNvCxnSpPr>
+            <a:stCxn id="46" idx="0"/>
+          </p:cNvCxnSpPr>
+          <p:nvPr/>
+        </p:nvCxnSpPr>
+        <p:spPr>
+          <a:xfrm rot="16200000" flipV="1">
+            <a:off x="667011" y="3177020"/>
+            <a:ext cx="1344352" cy="8263"/>
+          </a:xfrm>
+          <a:prstGeom prst="bentConnector3">
+            <a:avLst>
+              <a:gd name="adj1" fmla="val 50000"/>
+            </a:avLst>
+          </a:prstGeom>
+          <a:ln w="57150">
+            <a:solidFill>
+              <a:srgbClr val="FFFF00"/>
+            </a:solidFill>
+            <a:tailEnd type="triangle"/>
+          </a:ln>
+        </p:spPr>
+        <p:style>
+          <a:lnRef idx="1">
+            <a:schemeClr val="accent1"/>
+          </a:lnRef>
+          <a:fillRef idx="0">
+            <a:schemeClr val="accent1"/>
+          </a:fillRef>
+          <a:effectRef idx="0">
+            <a:schemeClr val="accent1"/>
+          </a:effectRef>
+          <a:fontRef idx="minor">
+            <a:schemeClr val="tx1"/>
+          </a:fontRef>
+        </p:style>
+      </p:cxnSp>
+      <p:pic>
+        <p:nvPicPr>
+          <p:cNvPr id="1030" name="Picture 6" descr="plus icon에 대한 이미지 검색결과"/>
+          <p:cNvPicPr>
+            <a:picLocks noChangeAspect="1" noChangeArrowheads="1"/>
+          </p:cNvPicPr>
+          <p:nvPr/>
+        </p:nvPicPr>
+        <p:blipFill>
+          <a:blip r:embed="rId8" cstate="print">
+            <a:extLst>
+              <a:ext uri="{28A0092B-C50C-407E-A947-70E740481C1C}">
+                <a14:useLocalDpi xmlns:a14="http://schemas.microsoft.com/office/drawing/2010/main" val="0"/>
+              </a:ext>
+            </a:extLst>
+          </a:blip>
+          <a:srcRect/>
+          <a:stretch>
+            <a:fillRect/>
+          </a:stretch>
+        </p:blipFill>
+        <p:spPr bwMode="auto">
+          <a:xfrm>
+            <a:off x="6857916" y="5842895"/>
+            <a:ext cx="657676" cy="657676"/>
+          </a:xfrm>
+          <a:prstGeom prst="rect">
+            <a:avLst/>
+          </a:prstGeom>
+          <a:noFill/>
+          <a:extLst>
+            <a:ext uri="{909E8E84-426E-40DD-AFC4-6F175D3DCCD1}">
+              <a14:hiddenFill xmlns:a14="http://schemas.microsoft.com/office/drawing/2010/main">
+                <a:solidFill>
+                  <a:srgbClr val="FFFFFF"/>
+                </a:solidFill>
+              </a14:hiddenFill>
+            </a:ext>
+          </a:extLst>
+        </p:spPr>
+      </p:pic>
+      <p:sp>
+        <p:nvSpPr>
+          <p:cNvPr id="29" name="TextBox 28"/>
+          <p:cNvSpPr txBox="1"/>
+          <p:nvPr/>
+        </p:nvSpPr>
+        <p:spPr>
+          <a:xfrm>
+            <a:off x="4023755" y="5987067"/>
+            <a:ext cx="1572926" cy="369332"/>
+          </a:xfrm>
+          <a:prstGeom prst="rect">
+            <a:avLst/>
+          </a:prstGeom>
+        </p:spPr>
+        <p:style>
+          <a:lnRef idx="2">
+            <a:schemeClr val="accent6"/>
+          </a:lnRef>
+          <a:fillRef idx="1">
+            <a:schemeClr val="lt1"/>
+          </a:fillRef>
+          <a:effectRef idx="0">
+            <a:schemeClr val="accent6"/>
+          </a:effectRef>
+          <a:fontRef idx="minor">
+            <a:schemeClr val="dk1"/>
+          </a:fontRef>
+        </p:style>
+        <p:txBody>
+          <a:bodyPr wrap="square" rtlCol="0">
+            <a:spAutoFit/>
+          </a:bodyPr>
+          <a:lstStyle/>
+          <a:p>
+            <a:pPr algn="ctr"/>
+            <a:r>
+              <a:rPr lang="ko-KR" altLang="en-US" smtClean="0"/>
+              <a:t>메모 게시</a:t>
+            </a:r>
+            <a:endParaRPr lang="ko-KR" altLang="en-US" dirty="0"/>
+          </a:p>
+        </p:txBody>
+      </p:sp>
+      <p:cxnSp>
+        <p:nvCxnSpPr>
+          <p:cNvPr id="13" name="직선 화살표 연결선 12"/>
+          <p:cNvCxnSpPr>
+            <a:stCxn id="29" idx="3"/>
+            <a:endCxn id="1030" idx="1"/>
+          </p:cNvCxnSpPr>
+          <p:nvPr/>
+        </p:nvCxnSpPr>
+        <p:spPr>
+          <a:xfrm>
+            <a:off x="5596681" y="6171733"/>
+            <a:ext cx="1261235" cy="0"/>
+          </a:xfrm>
+          <a:prstGeom prst="straightConnector1">
+            <a:avLst/>
+          </a:prstGeom>
+          <a:ln w="38100">
+            <a:tailEnd type="triangle"/>
+          </a:ln>
+        </p:spPr>
+        <p:style>
+          <a:lnRef idx="1">
+            <a:schemeClr val="dk1"/>
+          </a:lnRef>
+          <a:fillRef idx="0">
+            <a:schemeClr val="dk1"/>
+          </a:fillRef>
+          <a:effectRef idx="0">
+            <a:schemeClr val="dk1"/>
+          </a:effectRef>
+          <a:fontRef idx="minor">
+            <a:schemeClr val="tx1"/>
+          </a:fontRef>
+        </p:style>
+      </p:cxnSp>
+    </p:spTree>
+    <p:extLst>
+      <p:ext uri="{BB962C8B-B14F-4D97-AF65-F5344CB8AC3E}">
+        <p14:creationId xmlns:p14="http://schemas.microsoft.com/office/powerpoint/2010/main" val="2631771730"/>
+      </p:ext>
+    </p:extLst>
+  </p:cSld>
+  <p:clrMapOvr>
+    <a:masterClrMapping/>
+  </p:clrMapOvr>
+  <p:timing>
+    <p:tnLst>
+      <p:par>
+        <p:cTn id="1" dur="indefinite" restart="never" nodeType="tmRoot"/>
+      </p:par>
+    </p:tnLst>
+  </p:timing>
+</p:sld>
+</file>
+
+<file path=ppt/slides/slide5.xml><?xml version="1.0" encoding="utf-8"?>
+<p:sld xmlns:a="http://schemas.openxmlformats.org/drawingml/2006/main" xmlns:r="http://schemas.openxmlformats.org/officeDocument/2006/relationships" xmlns:p="http://schemas.openxmlformats.org/presentationml/2006/main">
+  <p:cSld>
+    <p:spTree>
+      <p:nvGrpSpPr>
+        <p:cNvPr id="1" name=""/>
+        <p:cNvGrpSpPr/>
+        <p:nvPr/>
+      </p:nvGrpSpPr>
+      <p:grpSpPr>
+        <a:xfrm>
+          <a:off x="0" y="0"/>
+          <a:ext cx="0" cy="0"/>
+          <a:chOff x="0" y="0"/>
+          <a:chExt cx="0" cy="0"/>
+        </a:xfrm>
+      </p:grpSpPr>
+      <p:sp>
+        <p:nvSpPr>
+          <p:cNvPr id="4" name="직사각형 3"/>
+          <p:cNvSpPr/>
+          <p:nvPr/>
+        </p:nvSpPr>
+        <p:spPr>
+          <a:xfrm>
+            <a:off x="167054" y="290146"/>
+            <a:ext cx="8845061" cy="6304085"/>
+          </a:xfrm>
+          <a:prstGeom prst="rect">
+            <a:avLst/>
+          </a:prstGeom>
+          <a:ln w="38100"/>
+        </p:spPr>
+        <p:style>
+          <a:lnRef idx="2">
+            <a:schemeClr val="accent2"/>
+          </a:lnRef>
+          <a:fillRef idx="1">
+            <a:schemeClr val="lt1"/>
+          </a:fillRef>
+          <a:effectRef idx="0">
+            <a:schemeClr val="accent2"/>
+          </a:effectRef>
+          <a:fontRef idx="minor">
+            <a:schemeClr val="dk1"/>
+          </a:fontRef>
+        </p:style>
+        <p:txBody>
+          <a:bodyPr rtlCol="0" anchor="ctr"/>
+          <a:lstStyle/>
+          <a:p>
+            <a:pPr algn="ctr"/>
+            <a:endParaRPr lang="ko-KR" altLang="en-US"/>
+          </a:p>
+        </p:txBody>
+      </p:sp>
+      <p:sp>
+        <p:nvSpPr>
+          <p:cNvPr id="5" name="직사각형 4"/>
+          <p:cNvSpPr/>
+          <p:nvPr/>
+        </p:nvSpPr>
+        <p:spPr>
+          <a:xfrm>
+            <a:off x="167054" y="290146"/>
+            <a:ext cx="8845061" cy="1107831"/>
+          </a:xfrm>
+          <a:prstGeom prst="rect">
+            <a:avLst/>
+          </a:prstGeom>
+        </p:spPr>
+        <p:style>
+          <a:lnRef idx="2">
+            <a:schemeClr val="accent3">
+              <a:shade val="50000"/>
+            </a:schemeClr>
+          </a:lnRef>
+          <a:fillRef idx="1">
+            <a:schemeClr val="accent3"/>
+          </a:fillRef>
+          <a:effectRef idx="0">
+            <a:schemeClr val="accent3"/>
+          </a:effectRef>
+          <a:fontRef idx="minor">
+            <a:schemeClr val="lt1"/>
+          </a:fontRef>
+        </p:style>
+        <p:txBody>
+          <a:bodyPr rtlCol="0" anchor="ctr"/>
+          <a:lstStyle/>
+          <a:p>
+            <a:pPr algn="ctr"/>
+            <a:r>
+              <a:rPr lang="ko-KR" altLang="en-US" dirty="0" smtClean="0"/>
+              <a:t>상단 메뉴</a:t>
+            </a:r>
+            <a:r>
+              <a:rPr lang="en-US" altLang="ko-KR" dirty="0" smtClean="0"/>
+              <a:t>(</a:t>
+            </a:r>
+            <a:r>
+              <a:rPr lang="ko-KR" altLang="en-US" dirty="0" smtClean="0"/>
+              <a:t>웹</a:t>
+            </a:r>
+            <a:r>
+              <a:rPr lang="en-US" altLang="ko-KR" dirty="0"/>
+              <a:t>)</a:t>
+            </a:r>
+            <a:endParaRPr lang="ko-KR" altLang="en-US" dirty="0"/>
+          </a:p>
+        </p:txBody>
+      </p:sp>
+      <p:sp>
+        <p:nvSpPr>
+          <p:cNvPr id="7" name="직사각형 6"/>
+          <p:cNvSpPr/>
+          <p:nvPr/>
+        </p:nvSpPr>
+        <p:spPr>
+          <a:xfrm>
+            <a:off x="973013" y="1397977"/>
+            <a:ext cx="7303477" cy="5172807"/>
+          </a:xfrm>
+          <a:prstGeom prst="rect">
+            <a:avLst/>
+          </a:prstGeom>
+          <a:ln w="38100"/>
+        </p:spPr>
+        <p:style>
+          <a:lnRef idx="2">
+            <a:schemeClr val="accent2"/>
+          </a:lnRef>
+          <a:fillRef idx="1">
+            <a:schemeClr val="lt1"/>
+          </a:fillRef>
+          <a:effectRef idx="0">
+            <a:schemeClr val="accent2"/>
+          </a:effectRef>
+          <a:fontRef idx="minor">
+            <a:schemeClr val="dk1"/>
+          </a:fontRef>
+        </p:style>
+        <p:txBody>
+          <a:bodyPr rtlCol="0" anchor="ctr"/>
+          <a:lstStyle/>
+          <a:p>
+            <a:pPr algn="ctr"/>
+            <a:endParaRPr lang="ko-KR" altLang="en-US"/>
+          </a:p>
+        </p:txBody>
+      </p:sp>
+      <p:pic>
+        <p:nvPicPr>
+          <p:cNvPr id="2050" name="Picture 2" descr="lorem ipsum에 대한 이미지 검색결과"/>
+          <p:cNvPicPr>
+            <a:picLocks noChangeAspect="1" noChangeArrowheads="1"/>
+          </p:cNvPicPr>
+          <p:nvPr/>
+        </p:nvPicPr>
+        <p:blipFill>
+          <a:blip r:embed="rId3">
+            <a:extLst>
+              <a:ext uri="{28A0092B-C50C-407E-A947-70E740481C1C}">
+                <a14:useLocalDpi xmlns:a14="http://schemas.microsoft.com/office/drawing/2010/main" val="0"/>
+              </a:ext>
+            </a:extLst>
+          </a:blip>
+          <a:srcRect/>
+          <a:stretch>
+            <a:fillRect/>
+          </a:stretch>
+        </p:blipFill>
+        <p:spPr bwMode="auto">
+          <a:xfrm>
+            <a:off x="1324951" y="1961888"/>
+            <a:ext cx="3361348" cy="4276866"/>
+          </a:xfrm>
+          <a:prstGeom prst="rect">
+            <a:avLst/>
+          </a:prstGeom>
+          <a:noFill/>
+          <a:extLst>
+            <a:ext uri="{909E8E84-426E-40DD-AFC4-6F175D3DCCD1}">
+              <a14:hiddenFill xmlns:a14="http://schemas.microsoft.com/office/drawing/2010/main">
+                <a:solidFill>
+                  <a:srgbClr val="FFFFFF"/>
+                </a:solidFill>
+              </a14:hiddenFill>
+            </a:ext>
+          </a:extLst>
+        </p:spPr>
+      </p:pic>
+      <p:pic>
+        <p:nvPicPr>
+          <p:cNvPr id="2052" name="Picture 4" descr="lorem ipsum에 대한 이미지 검색결과"/>
+          <p:cNvPicPr>
+            <a:picLocks noChangeAspect="1" noChangeArrowheads="1"/>
+          </p:cNvPicPr>
+          <p:nvPr/>
+        </p:nvPicPr>
+        <p:blipFill>
+          <a:blip r:embed="rId4">
+            <a:extLst>
+              <a:ext uri="{28A0092B-C50C-407E-A947-70E740481C1C}">
+                <a14:useLocalDpi xmlns:a14="http://schemas.microsoft.com/office/drawing/2010/main" val="0"/>
+              </a:ext>
+            </a:extLst>
+          </a:blip>
+          <a:srcRect/>
+          <a:stretch>
+            <a:fillRect/>
+          </a:stretch>
+        </p:blipFill>
+        <p:spPr bwMode="auto">
+          <a:xfrm>
+            <a:off x="4589584" y="1757885"/>
+            <a:ext cx="3590191" cy="3412201"/>
+          </a:xfrm>
+          <a:prstGeom prst="rect">
+            <a:avLst/>
+          </a:prstGeom>
+          <a:noFill/>
+          <a:extLst>
+            <a:ext uri="{909E8E84-426E-40DD-AFC4-6F175D3DCCD1}">
+              <a14:hiddenFill xmlns:a14="http://schemas.microsoft.com/office/drawing/2010/main">
+                <a:solidFill>
+                  <a:srgbClr val="FFFFFF"/>
+                </a:solidFill>
+              </a14:hiddenFill>
+            </a:ext>
+          </a:extLst>
+        </p:spPr>
+      </p:pic>
+      <p:sp>
+        <p:nvSpPr>
+          <p:cNvPr id="6" name="모서리가 둥근 직사각형 5"/>
+          <p:cNvSpPr/>
+          <p:nvPr/>
+        </p:nvSpPr>
+        <p:spPr>
+          <a:xfrm>
+            <a:off x="6945923" y="5932805"/>
+            <a:ext cx="612527" cy="560920"/>
+          </a:xfrm>
+          <a:prstGeom prst="roundRect">
+            <a:avLst/>
+          </a:prstGeom>
+        </p:spPr>
+        <p:style>
+          <a:lnRef idx="2">
+            <a:schemeClr val="accent1">
+              <a:shade val="50000"/>
+            </a:schemeClr>
+          </a:lnRef>
+          <a:fillRef idx="1">
+            <a:schemeClr val="accent1"/>
+          </a:fillRef>
+          <a:effectRef idx="0">
+            <a:schemeClr val="accent1"/>
+          </a:effectRef>
+          <a:fontRef idx="minor">
+            <a:schemeClr val="lt1"/>
+          </a:fontRef>
+        </p:style>
+        <p:txBody>
+          <a:bodyPr rtlCol="0" anchor="ctr"/>
+          <a:lstStyle/>
+          <a:p>
+            <a:pPr algn="ctr"/>
+            <a:r>
+              <a:rPr lang="en-US" altLang="ko-KR" dirty="0" smtClean="0"/>
+              <a:t>Edit</a:t>
+            </a:r>
+            <a:endParaRPr lang="ko-KR" altLang="en-US" dirty="0"/>
+          </a:p>
+        </p:txBody>
+      </p:sp>
+      <p:sp>
+        <p:nvSpPr>
+          <p:cNvPr id="11" name="모서리가 둥근 직사각형 10"/>
+          <p:cNvSpPr/>
+          <p:nvPr/>
+        </p:nvSpPr>
+        <p:spPr>
+          <a:xfrm>
+            <a:off x="7619999" y="5932805"/>
+            <a:ext cx="612527" cy="560920"/>
+          </a:xfrm>
+          <a:prstGeom prst="roundRect">
+            <a:avLst/>
+          </a:prstGeom>
+        </p:spPr>
+        <p:style>
+          <a:lnRef idx="2">
+            <a:schemeClr val="accent1">
+              <a:shade val="50000"/>
+            </a:schemeClr>
+          </a:lnRef>
+          <a:fillRef idx="1">
+            <a:schemeClr val="accent1"/>
+          </a:fillRef>
+          <a:effectRef idx="0">
+            <a:schemeClr val="accent1"/>
+          </a:effectRef>
+          <a:fontRef idx="minor">
+            <a:schemeClr val="lt1"/>
+          </a:fontRef>
+        </p:style>
+        <p:txBody>
+          <a:bodyPr rtlCol="0" anchor="ctr"/>
+          <a:lstStyle/>
+          <a:p>
+            <a:pPr algn="ctr"/>
+            <a:r>
+              <a:rPr lang="en-US" altLang="ko-KR" dirty="0" smtClean="0"/>
+              <a:t>Del</a:t>
+            </a:r>
+            <a:endParaRPr lang="ko-KR" altLang="en-US" dirty="0"/>
+          </a:p>
+        </p:txBody>
+      </p:sp>
+      <p:sp>
+        <p:nvSpPr>
+          <p:cNvPr id="8" name="이등변 삼각형 7"/>
+          <p:cNvSpPr/>
+          <p:nvPr/>
+        </p:nvSpPr>
+        <p:spPr>
+          <a:xfrm rot="16200000">
+            <a:off x="5669280" y="5958323"/>
+            <a:ext cx="502920" cy="476973"/>
+          </a:xfrm>
+          <a:prstGeom prst="triangle">
+            <a:avLst/>
+          </a:prstGeom>
+        </p:spPr>
+        <p:style>
+          <a:lnRef idx="2">
+            <a:schemeClr val="accent1">
+              <a:shade val="50000"/>
+            </a:schemeClr>
+          </a:lnRef>
+          <a:fillRef idx="1">
+            <a:schemeClr val="accent1"/>
+          </a:fillRef>
+          <a:effectRef idx="0">
+            <a:schemeClr val="accent1"/>
+          </a:effectRef>
+          <a:fontRef idx="minor">
+            <a:schemeClr val="lt1"/>
+          </a:fontRef>
+        </p:style>
+        <p:txBody>
+          <a:bodyPr rtlCol="0" anchor="ctr"/>
+          <a:lstStyle/>
+          <a:p>
+            <a:pPr algn="ctr"/>
+            <a:endParaRPr lang="ko-KR" altLang="en-US"/>
+          </a:p>
+        </p:txBody>
+      </p:sp>
+      <p:sp>
+        <p:nvSpPr>
+          <p:cNvPr id="13" name="이등변 삼각형 12"/>
+          <p:cNvSpPr/>
+          <p:nvPr/>
+        </p:nvSpPr>
+        <p:spPr>
+          <a:xfrm rot="5400000">
+            <a:off x="6281596" y="5958323"/>
+            <a:ext cx="502920" cy="476973"/>
+          </a:xfrm>
+          <a:prstGeom prst="triangle">
+            <a:avLst/>
+          </a:prstGeom>
+        </p:spPr>
+        <p:style>
+          <a:lnRef idx="2">
+            <a:schemeClr val="accent1">
+              <a:shade val="50000"/>
+            </a:schemeClr>
+          </a:lnRef>
+          <a:fillRef idx="1">
+            <a:schemeClr val="accent1"/>
+          </a:fillRef>
+          <a:effectRef idx="0">
+            <a:schemeClr val="accent1"/>
+          </a:effectRef>
+          <a:fontRef idx="minor">
+            <a:schemeClr val="lt1"/>
+          </a:fontRef>
+        </p:style>
+        <p:txBody>
+          <a:bodyPr rtlCol="0" anchor="ctr"/>
+          <a:lstStyle/>
+          <a:p>
+            <a:pPr algn="ctr"/>
+            <a:endParaRPr lang="ko-KR" altLang="en-US"/>
+          </a:p>
+        </p:txBody>
+      </p:sp>
+      <p:pic>
+        <p:nvPicPr>
+          <p:cNvPr id="12" name="그림 11"/>
+          <p:cNvPicPr>
+            <a:picLocks noChangeAspect="1"/>
+          </p:cNvPicPr>
+          <p:nvPr/>
+        </p:nvPicPr>
+        <p:blipFill>
+          <a:blip r:embed="rId5"/>
+          <a:stretch>
+            <a:fillRect/>
+          </a:stretch>
+        </p:blipFill>
+        <p:spPr>
+          <a:xfrm>
+            <a:off x="7648427" y="1480597"/>
+            <a:ext cx="605010" cy="507682"/>
+          </a:xfrm>
+          <a:prstGeom prst="rect">
+            <a:avLst/>
+          </a:prstGeom>
+        </p:spPr>
+      </p:pic>
+    </p:spTree>
+    <p:extLst>
+      <p:ext uri="{BB962C8B-B14F-4D97-AF65-F5344CB8AC3E}">
+        <p14:creationId xmlns:p14="http://schemas.microsoft.com/office/powerpoint/2010/main" val="119265911"/>
+      </p:ext>
+    </p:extLst>
+  </p:cSld>
+  <p:clrMapOvr>
+    <a:masterClrMapping/>
+  </p:clrMapOvr>
+  <p:timing>
+    <p:tnLst>
+      <p:par>
+        <p:cTn id="1" dur="indefinite" restart="never" nodeType="tmRoot"/>
+      </p:par>
+    </p:tnLst>
+  </p:timing>
+</p:sld>
+</file>
+
+<file path=ppt/slides/slide6.xml><?xml version="1.0" encoding="utf-8"?>
+<p:sld xmlns:a="http://schemas.openxmlformats.org/drawingml/2006/main" xmlns:r="http://schemas.openxmlformats.org/officeDocument/2006/relationships" xmlns:p="http://schemas.openxmlformats.org/presentationml/2006/main">
+  <p:cSld>
+    <p:spTree>
+      <p:nvGrpSpPr>
+        <p:cNvPr id="1" name=""/>
+        <p:cNvGrpSpPr/>
+        <p:nvPr/>
+      </p:nvGrpSpPr>
+      <p:grpSpPr>
+        <a:xfrm>
+          <a:off x="0" y="0"/>
+          <a:ext cx="0" cy="0"/>
+          <a:chOff x="0" y="0"/>
+          <a:chExt cx="0" cy="0"/>
+        </a:xfrm>
+      </p:grpSpPr>
+      <p:sp>
+        <p:nvSpPr>
+          <p:cNvPr id="4" name="직사각형 3"/>
+          <p:cNvSpPr/>
+          <p:nvPr/>
+        </p:nvSpPr>
+        <p:spPr>
+          <a:xfrm>
+            <a:off x="167054" y="290146"/>
+            <a:ext cx="8845061" cy="6304085"/>
+          </a:xfrm>
+          <a:prstGeom prst="rect">
+            <a:avLst/>
+          </a:prstGeom>
+          <a:ln w="38100"/>
+        </p:spPr>
+        <p:style>
+          <a:lnRef idx="2">
+            <a:schemeClr val="accent2"/>
+          </a:lnRef>
+          <a:fillRef idx="1">
+            <a:schemeClr val="lt1"/>
+          </a:fillRef>
+          <a:effectRef idx="0">
+            <a:schemeClr val="accent2"/>
+          </a:effectRef>
+          <a:fontRef idx="minor">
+            <a:schemeClr val="dk1"/>
+          </a:fontRef>
+        </p:style>
+        <p:txBody>
+          <a:bodyPr rtlCol="0" anchor="ctr"/>
+          <a:lstStyle/>
+          <a:p>
+            <a:pPr algn="ctr"/>
+            <a:endParaRPr lang="ko-KR" altLang="en-US"/>
+          </a:p>
+        </p:txBody>
+      </p:sp>
+      <p:sp>
+        <p:nvSpPr>
+          <p:cNvPr id="5" name="직사각형 4"/>
+          <p:cNvSpPr/>
+          <p:nvPr/>
+        </p:nvSpPr>
+        <p:spPr>
+          <a:xfrm>
+            <a:off x="167054" y="290146"/>
+            <a:ext cx="8845061" cy="1107831"/>
+          </a:xfrm>
+          <a:prstGeom prst="rect">
+            <a:avLst/>
+          </a:prstGeom>
+        </p:spPr>
+        <p:style>
+          <a:lnRef idx="2">
+            <a:schemeClr val="accent3">
+              <a:shade val="50000"/>
+            </a:schemeClr>
+          </a:lnRef>
+          <a:fillRef idx="1">
+            <a:schemeClr val="accent3"/>
+          </a:fillRef>
+          <a:effectRef idx="0">
+            <a:schemeClr val="accent3"/>
+          </a:effectRef>
+          <a:fontRef idx="minor">
+            <a:schemeClr val="lt1"/>
+          </a:fontRef>
+        </p:style>
+        <p:txBody>
+          <a:bodyPr rtlCol="0" anchor="ctr"/>
+          <a:lstStyle/>
+          <a:p>
+            <a:pPr algn="ctr"/>
+            <a:r>
+              <a:rPr lang="ko-KR" altLang="en-US" dirty="0" smtClean="0"/>
+              <a:t>상단 메뉴</a:t>
+            </a:r>
+            <a:r>
+              <a:rPr lang="en-US" altLang="ko-KR" dirty="0" smtClean="0"/>
+              <a:t>(</a:t>
+            </a:r>
+            <a:r>
+              <a:rPr lang="ko-KR" altLang="en-US" dirty="0" smtClean="0"/>
+              <a:t>웹</a:t>
+            </a:r>
+            <a:r>
+              <a:rPr lang="en-US" altLang="ko-KR" dirty="0"/>
+              <a:t>)</a:t>
+            </a:r>
+            <a:endParaRPr lang="ko-KR" altLang="en-US" dirty="0"/>
+          </a:p>
+        </p:txBody>
+      </p:sp>
+      <p:sp>
+        <p:nvSpPr>
+          <p:cNvPr id="6" name="직사각형 5"/>
+          <p:cNvSpPr/>
+          <p:nvPr/>
+        </p:nvSpPr>
+        <p:spPr>
+          <a:xfrm>
+            <a:off x="973013" y="1397977"/>
+            <a:ext cx="7303477" cy="5172807"/>
+          </a:xfrm>
+          <a:prstGeom prst="rect">
+            <a:avLst/>
+          </a:prstGeom>
+          <a:ln w="38100"/>
+        </p:spPr>
+        <p:style>
+          <a:lnRef idx="2">
+            <a:schemeClr val="accent2"/>
+          </a:lnRef>
+          <a:fillRef idx="1">
+            <a:schemeClr val="lt1"/>
+          </a:fillRef>
+          <a:effectRef idx="0">
+            <a:schemeClr val="accent2"/>
+          </a:effectRef>
+          <a:fontRef idx="minor">
+            <a:schemeClr val="dk1"/>
+          </a:fontRef>
+        </p:style>
+        <p:txBody>
+          <a:bodyPr rtlCol="0" anchor="ctr"/>
+          <a:lstStyle/>
+          <a:p>
+            <a:pPr algn="ctr"/>
+            <a:endParaRPr lang="ko-KR" altLang="en-US"/>
+          </a:p>
+        </p:txBody>
+      </p:sp>
+      <p:pic>
+        <p:nvPicPr>
+          <p:cNvPr id="13" name="그림 12"/>
+          <p:cNvPicPr>
+            <a:picLocks noChangeAspect="1"/>
+          </p:cNvPicPr>
+          <p:nvPr/>
+        </p:nvPicPr>
+        <p:blipFill>
+          <a:blip r:embed="rId2"/>
+          <a:stretch>
+            <a:fillRect/>
+          </a:stretch>
+        </p:blipFill>
+        <p:spPr>
+          <a:xfrm>
+            <a:off x="7648427" y="1480597"/>
+            <a:ext cx="605010" cy="507682"/>
+          </a:xfrm>
+          <a:prstGeom prst="rect">
+            <a:avLst/>
+          </a:prstGeom>
+        </p:spPr>
+      </p:pic>
+      <p:sp>
+        <p:nvSpPr>
+          <p:cNvPr id="14" name="모서리가 둥근 직사각형 13"/>
+          <p:cNvSpPr/>
+          <p:nvPr/>
+        </p:nvSpPr>
+        <p:spPr>
+          <a:xfrm>
+            <a:off x="1412972" y="1988279"/>
+            <a:ext cx="6537960" cy="2688336"/>
+          </a:xfrm>
+          <a:prstGeom prst="roundRect">
+            <a:avLst/>
+          </a:prstGeom>
+          <a:ln w="76200"/>
+        </p:spPr>
+        <p:style>
+          <a:lnRef idx="2">
+            <a:schemeClr val="accent3"/>
+          </a:lnRef>
+          <a:fillRef idx="1">
+            <a:schemeClr val="lt1"/>
+          </a:fillRef>
+          <a:effectRef idx="0">
+            <a:schemeClr val="accent3"/>
+          </a:effectRef>
+          <a:fontRef idx="minor">
+            <a:schemeClr val="dk1"/>
+          </a:fontRef>
+        </p:style>
+        <p:txBody>
+          <a:bodyPr rtlCol="0" anchor="ctr"/>
+          <a:lstStyle/>
+          <a:p>
+            <a:pPr algn="ctr"/>
+            <a:endParaRPr lang="ko-KR" altLang="en-US"/>
+          </a:p>
+        </p:txBody>
+      </p:sp>
+      <p:sp>
+        <p:nvSpPr>
+          <p:cNvPr id="15" name="덧셈 기호 14"/>
+          <p:cNvSpPr/>
+          <p:nvPr/>
+        </p:nvSpPr>
+        <p:spPr>
+          <a:xfrm>
+            <a:off x="4284188" y="2939255"/>
+            <a:ext cx="795528" cy="786384"/>
+          </a:xfrm>
+          <a:prstGeom prst="mathPlus">
+            <a:avLst/>
+          </a:prstGeom>
+        </p:spPr>
+        <p:style>
+          <a:lnRef idx="2">
+            <a:schemeClr val="accent3">
+              <a:shade val="50000"/>
+            </a:schemeClr>
+          </a:lnRef>
+          <a:fillRef idx="1">
+            <a:schemeClr val="accent3"/>
+          </a:fillRef>
+          <a:effectRef idx="0">
+            <a:schemeClr val="accent3"/>
+          </a:effectRef>
+          <a:fontRef idx="minor">
+            <a:schemeClr val="lt1"/>
+          </a:fontRef>
+        </p:style>
+        <p:txBody>
+          <a:bodyPr rtlCol="0" anchor="ctr"/>
+          <a:lstStyle/>
+          <a:p>
+            <a:pPr algn="ctr"/>
+            <a:endParaRPr lang="ko-KR" altLang="en-US"/>
+          </a:p>
+        </p:txBody>
+      </p:sp>
+      <p:sp>
+        <p:nvSpPr>
+          <p:cNvPr id="16" name="TextBox 15"/>
+          <p:cNvSpPr txBox="1"/>
+          <p:nvPr/>
+        </p:nvSpPr>
+        <p:spPr>
+          <a:xfrm>
+            <a:off x="3941288" y="3827322"/>
+            <a:ext cx="1481328" cy="369332"/>
+          </a:xfrm>
+          <a:prstGeom prst="rect">
+            <a:avLst/>
+          </a:prstGeom>
+          <a:noFill/>
+        </p:spPr>
+        <p:txBody>
+          <a:bodyPr wrap="square" rtlCol="0">
+            <a:spAutoFit/>
+          </a:bodyPr>
+          <a:lstStyle/>
+          <a:p>
+            <a:pPr algn="ctr"/>
+            <a:r>
+              <a:rPr lang="ko-KR" altLang="en-US" dirty="0" smtClean="0"/>
+              <a:t>사진 게시</a:t>
+            </a:r>
+            <a:endParaRPr lang="ko-KR" altLang="en-US" dirty="0"/>
+          </a:p>
+        </p:txBody>
+      </p:sp>
+    </p:spTree>
+    <p:extLst>
+      <p:ext uri="{BB962C8B-B14F-4D97-AF65-F5344CB8AC3E}">
+        <p14:creationId xmlns:p14="http://schemas.microsoft.com/office/powerpoint/2010/main" val="483407719"/>
+      </p:ext>
+    </p:extLst>
+  </p:cSld>
+  <p:clrMapOvr>
+    <a:masterClrMapping/>
+  </p:clrMapOvr>
+</p:sld>
+</file>
+
+<file path=ppt/slides/slide7.xml><?xml version="1.0" encoding="utf-8"?>
+<p:sld xmlns:a="http://schemas.openxmlformats.org/drawingml/2006/main" xmlns:r="http://schemas.openxmlformats.org/officeDocument/2006/relationships" xmlns:p="http://schemas.openxmlformats.org/presentationml/2006/main">
+  <p:cSld>
+    <p:spTree>
+      <p:nvGrpSpPr>
+        <p:cNvPr id="1" name=""/>
+        <p:cNvGrpSpPr/>
+        <p:nvPr/>
+      </p:nvGrpSpPr>
+      <p:grpSpPr>
+        <a:xfrm>
+          <a:off x="0" y="0"/>
+          <a:ext cx="0" cy="0"/>
+          <a:chOff x="0" y="0"/>
+          <a:chExt cx="0" cy="0"/>
+        </a:xfrm>
+      </p:grpSpPr>
+      <p:sp>
+        <p:nvSpPr>
+          <p:cNvPr id="11" name="직사각형 10"/>
+          <p:cNvSpPr/>
+          <p:nvPr/>
+        </p:nvSpPr>
+        <p:spPr>
+          <a:xfrm>
+            <a:off x="167054" y="290146"/>
+            <a:ext cx="8845061" cy="6304085"/>
+          </a:xfrm>
+          <a:prstGeom prst="rect">
+            <a:avLst/>
+          </a:prstGeom>
+          <a:ln w="38100"/>
+        </p:spPr>
+        <p:style>
+          <a:lnRef idx="2">
+            <a:schemeClr val="accent2"/>
+          </a:lnRef>
+          <a:fillRef idx="1">
+            <a:schemeClr val="lt1"/>
+          </a:fillRef>
+          <a:effectRef idx="0">
+            <a:schemeClr val="accent2"/>
+          </a:effectRef>
+          <a:fontRef idx="minor">
+            <a:schemeClr val="dk1"/>
+          </a:fontRef>
+        </p:style>
+        <p:txBody>
+          <a:bodyPr rtlCol="0" anchor="ctr"/>
+          <a:lstStyle/>
+          <a:p>
+            <a:pPr algn="ctr"/>
+            <a:endParaRPr lang="ko-KR" altLang="en-US"/>
+          </a:p>
+        </p:txBody>
+      </p:sp>
+      <p:sp>
+        <p:nvSpPr>
+          <p:cNvPr id="12" name="직사각형 11"/>
+          <p:cNvSpPr/>
+          <p:nvPr/>
+        </p:nvSpPr>
+        <p:spPr>
+          <a:xfrm>
+            <a:off x="167054" y="290146"/>
+            <a:ext cx="8845061" cy="1107831"/>
+          </a:xfrm>
+          <a:prstGeom prst="rect">
+            <a:avLst/>
+          </a:prstGeom>
+        </p:spPr>
+        <p:style>
+          <a:lnRef idx="2">
+            <a:schemeClr val="accent3">
+              <a:shade val="50000"/>
+            </a:schemeClr>
+          </a:lnRef>
+          <a:fillRef idx="1">
+            <a:schemeClr val="accent3"/>
+          </a:fillRef>
+          <a:effectRef idx="0">
+            <a:schemeClr val="accent3"/>
+          </a:effectRef>
+          <a:fontRef idx="minor">
+            <a:schemeClr val="lt1"/>
+          </a:fontRef>
+        </p:style>
+        <p:txBody>
+          <a:bodyPr rtlCol="0" anchor="ctr"/>
+          <a:lstStyle/>
+          <a:p>
+            <a:pPr algn="ctr"/>
+            <a:r>
+              <a:rPr lang="ko-KR" altLang="en-US" dirty="0" smtClean="0"/>
+              <a:t>상단 메뉴</a:t>
+            </a:r>
+            <a:r>
+              <a:rPr lang="en-US" altLang="ko-KR" dirty="0" smtClean="0"/>
+              <a:t>(</a:t>
+            </a:r>
+            <a:r>
+              <a:rPr lang="ko-KR" altLang="en-US" dirty="0" smtClean="0"/>
+              <a:t>웹</a:t>
+            </a:r>
+            <a:r>
+              <a:rPr lang="en-US" altLang="ko-KR" dirty="0"/>
+              <a:t>)</a:t>
+            </a:r>
+            <a:endParaRPr lang="ko-KR" altLang="en-US" dirty="0"/>
+          </a:p>
+        </p:txBody>
+      </p:sp>
+      <p:sp>
+        <p:nvSpPr>
+          <p:cNvPr id="13" name="직사각형 12"/>
+          <p:cNvSpPr/>
+          <p:nvPr/>
+        </p:nvSpPr>
+        <p:spPr>
+          <a:xfrm>
+            <a:off x="973013" y="1397977"/>
+            <a:ext cx="7303477" cy="5172807"/>
+          </a:xfrm>
+          <a:prstGeom prst="rect">
+            <a:avLst/>
+          </a:prstGeom>
+          <a:ln w="38100"/>
+        </p:spPr>
+        <p:style>
+          <a:lnRef idx="2">
+            <a:schemeClr val="accent2"/>
+          </a:lnRef>
+          <a:fillRef idx="1">
+            <a:schemeClr val="lt1"/>
+          </a:fillRef>
+          <a:effectRef idx="0">
+            <a:schemeClr val="accent2"/>
+          </a:effectRef>
+          <a:fontRef idx="minor">
+            <a:schemeClr val="dk1"/>
+          </a:fontRef>
+        </p:style>
+        <p:txBody>
+          <a:bodyPr rtlCol="0" anchor="ctr"/>
+          <a:lstStyle/>
+          <a:p>
+            <a:pPr algn="ctr"/>
+            <a:endParaRPr lang="ko-KR" altLang="en-US"/>
+          </a:p>
+        </p:txBody>
+      </p:sp>
+      <p:pic>
+        <p:nvPicPr>
+          <p:cNvPr id="14" name="그림 13"/>
+          <p:cNvPicPr>
+            <a:picLocks noChangeAspect="1"/>
+          </p:cNvPicPr>
+          <p:nvPr/>
+        </p:nvPicPr>
+        <p:blipFill>
+          <a:blip r:embed="rId2"/>
+          <a:stretch>
+            <a:fillRect/>
+          </a:stretch>
+        </p:blipFill>
+        <p:spPr>
+          <a:xfrm>
+            <a:off x="7648427" y="1480597"/>
+            <a:ext cx="605010" cy="507682"/>
+          </a:xfrm>
+          <a:prstGeom prst="rect">
+            <a:avLst/>
+          </a:prstGeom>
+        </p:spPr>
+      </p:pic>
+      <p:pic>
+        <p:nvPicPr>
+          <p:cNvPr id="18" name="Picture 2" descr="lorem ipsum에 대한 이미지 검색결과"/>
+          <p:cNvPicPr>
+            <a:picLocks noChangeAspect="1" noChangeArrowheads="1"/>
+          </p:cNvPicPr>
+          <p:nvPr/>
+        </p:nvPicPr>
+        <p:blipFill>
+          <a:blip r:embed="rId3">
+            <a:extLst>
+              <a:ext uri="{28A0092B-C50C-407E-A947-70E740481C1C}">
+                <a14:useLocalDpi xmlns:a14="http://schemas.microsoft.com/office/drawing/2010/main" val="0"/>
+              </a:ext>
+            </a:extLst>
+          </a:blip>
+          <a:srcRect/>
+          <a:stretch>
+            <a:fillRect/>
+          </a:stretch>
+        </p:blipFill>
+        <p:spPr bwMode="auto">
+          <a:xfrm>
+            <a:off x="2998302" y="1575783"/>
+            <a:ext cx="3466505" cy="4410664"/>
+          </a:xfrm>
+          <a:prstGeom prst="rect">
+            <a:avLst/>
+          </a:prstGeom>
+          <a:noFill/>
+          <a:extLst>
+            <a:ext uri="{909E8E84-426E-40DD-AFC4-6F175D3DCCD1}">
+              <a14:hiddenFill xmlns:a14="http://schemas.microsoft.com/office/drawing/2010/main">
+                <a:solidFill>
+                  <a:srgbClr val="FFFFFF"/>
+                </a:solidFill>
+              </a14:hiddenFill>
+            </a:ext>
+          </a:extLst>
+        </p:spPr>
+      </p:pic>
+      <p:sp>
+        <p:nvSpPr>
+          <p:cNvPr id="20" name="직사각형 19"/>
+          <p:cNvSpPr/>
+          <p:nvPr/>
+        </p:nvSpPr>
+        <p:spPr>
+          <a:xfrm>
+            <a:off x="3127248" y="5999840"/>
+            <a:ext cx="3337559" cy="396065"/>
+          </a:xfrm>
+          <a:prstGeom prst="rect">
+            <a:avLst/>
+          </a:prstGeom>
+          <a:ln w="38100"/>
+        </p:spPr>
+        <p:style>
+          <a:lnRef idx="2">
+            <a:schemeClr val="accent1"/>
+          </a:lnRef>
+          <a:fillRef idx="1">
+            <a:schemeClr val="lt1"/>
+          </a:fillRef>
+          <a:effectRef idx="0">
+            <a:schemeClr val="accent1"/>
+          </a:effectRef>
+          <a:fontRef idx="minor">
+            <a:schemeClr val="dk1"/>
+          </a:fontRef>
+        </p:style>
+        <p:txBody>
+          <a:bodyPr rtlCol="0" anchor="ctr"/>
+          <a:lstStyle/>
+          <a:p>
+            <a:pPr algn="ctr"/>
+            <a:r>
+              <a:rPr lang="ko-KR" altLang="en-US"/>
+              <a:t>사진 게시 후 제목과 내용 기입 </a:t>
+            </a:r>
+            <a:endParaRPr lang="ko-KR" altLang="en-US" dirty="0"/>
+          </a:p>
+        </p:txBody>
+      </p:sp>
+    </p:spTree>
+    <p:extLst>
+      <p:ext uri="{BB962C8B-B14F-4D97-AF65-F5344CB8AC3E}">
+        <p14:creationId xmlns:p14="http://schemas.microsoft.com/office/powerpoint/2010/main" val="43164963"/>
       </p:ext>
     </p:extLst>
   </p:cSld>
